--- a/FundWise_Project_Review.pptx
+++ b/FundWise_Project_Review.pptx
@@ -11,9 +11,15 @@
     <p:sldId id="259" r:id="rId5"/>
     <p:sldId id="260" r:id="rId6"/>
     <p:sldId id="261" r:id="rId7"/>
-    <p:sldId id="264" r:id="rId8"/>
-    <p:sldId id="262" r:id="rId9"/>
-    <p:sldId id="263" r:id="rId10"/>
+    <p:sldId id="265" r:id="rId8"/>
+    <p:sldId id="266" r:id="rId9"/>
+    <p:sldId id="267" r:id="rId10"/>
+    <p:sldId id="268" r:id="rId11"/>
+    <p:sldId id="269" r:id="rId12"/>
+    <p:sldId id="270" r:id="rId13"/>
+    <p:sldId id="264" r:id="rId14"/>
+    <p:sldId id="262" r:id="rId15"/>
+    <p:sldId id="263" r:id="rId16"/>
   </p:sldIdLst>
   <p:sldSz cx="9144000" cy="6858000" type="screen4x3"/>
   <p:notesSz cx="6858000" cy="9144000"/>
@@ -4396,7 +4402,7 @@
 <dgm:dataModel xmlns:dgm="http://schemas.openxmlformats.org/drawingml/2006/diagram" xmlns:a="http://schemas.openxmlformats.org/drawingml/2006/main">
   <dgm:ptLst>
     <dgm:pt modelId="{73B4ED30-6AAF-4A05-8BE3-056BC06863E3}" type="doc">
-      <dgm:prSet loTypeId="urn:microsoft.com/office/officeart/2005/8/layout/list1" loCatId="list" qsTypeId="urn:microsoft.com/office/officeart/2005/8/quickstyle/simple1" qsCatId="simple" csTypeId="urn:microsoft.com/office/officeart/2005/8/colors/colorful2" csCatId="colorful"/>
+      <dgm:prSet loTypeId="urn:microsoft.com/office/officeart/2005/8/layout/list1" loCatId="list" qsTypeId="urn:microsoft.com/office/officeart/2005/8/quickstyle/simple1" qsCatId="simple" csTypeId="urn:microsoft.com/office/officeart/2005/8/colors/colorful2" csCatId="colorful" phldr="1"/>
       <dgm:spPr/>
       <dgm:t>
         <a:bodyPr/>
@@ -4526,7 +4532,7 @@
         <a:p>
           <a:r>
             <a:rPr lang="en-US" b="1" dirty="0"/>
-            <a:t>ML-Driven Project Scoring</a:t>
+            <a:t>ML-Driven Project Success Prediction</a:t>
           </a:r>
           <a:endParaRPr lang="en-US" dirty="0"/>
         </a:p>
@@ -4562,10 +4568,10 @@
         <a:lstStyle/>
         <a:p>
           <a:r>
-            <a:rPr lang="en-US" b="1"/>
+            <a:rPr lang="en-US" b="1" dirty="0"/>
             <a:t>Investor Recommendations</a:t>
           </a:r>
-          <a:endParaRPr lang="en-US"/>
+          <a:endParaRPr lang="en-US" dirty="0"/>
         </a:p>
       </dgm:t>
     </dgm:pt>
@@ -4628,43 +4634,6 @@
         </a:p>
       </dgm:t>
     </dgm:pt>
-    <dgm:pt modelId="{50ACB284-1887-45BD-8BF1-CB87DA2030C8}">
-      <dgm:prSet/>
-      <dgm:spPr/>
-      <dgm:t>
-        <a:bodyPr/>
-        <a:lstStyle/>
-        <a:p>
-          <a:r>
-            <a:rPr lang="en-US" b="1"/>
-            <a:t>Gamification</a:t>
-          </a:r>
-          <a:endParaRPr lang="en-US"/>
-        </a:p>
-      </dgm:t>
-    </dgm:pt>
-    <dgm:pt modelId="{730BB81C-ED3E-4FC7-BE87-9A2F8159D036}" type="parTrans" cxnId="{FC288C91-9087-41AE-B552-B683697A2D08}">
-      <dgm:prSet/>
-      <dgm:spPr/>
-      <dgm:t>
-        <a:bodyPr/>
-        <a:lstStyle/>
-        <a:p>
-          <a:endParaRPr lang="en-US"/>
-        </a:p>
-      </dgm:t>
-    </dgm:pt>
-    <dgm:pt modelId="{6F7A7DD7-9480-4AE7-8A8C-BA574A23FB0E}" type="sibTrans" cxnId="{FC288C91-9087-41AE-B552-B683697A2D08}">
-      <dgm:prSet/>
-      <dgm:spPr/>
-      <dgm:t>
-        <a:bodyPr/>
-        <a:lstStyle/>
-        <a:p>
-          <a:endParaRPr lang="en-US"/>
-        </a:p>
-      </dgm:t>
-    </dgm:pt>
     <dgm:pt modelId="{99BE68E4-8314-49F4-A495-82FC6C9E70F2}">
       <dgm:prSet/>
       <dgm:spPr/>
@@ -4717,11 +4686,11 @@
       <dgm:spPr/>
     </dgm:pt>
     <dgm:pt modelId="{2BF200AE-E5DF-4658-BDE5-211A2F8D2E82}" type="pres">
-      <dgm:prSet presAssocID="{6EE2ACC7-57F5-44C0-8557-3C7A99293D59}" presName="parentLeftMargin" presStyleLbl="node1" presStyleIdx="0" presStyleCnt="7"/>
+      <dgm:prSet presAssocID="{6EE2ACC7-57F5-44C0-8557-3C7A99293D59}" presName="parentLeftMargin" presStyleLbl="node1" presStyleIdx="0" presStyleCnt="6"/>
       <dgm:spPr/>
     </dgm:pt>
     <dgm:pt modelId="{809081EC-0899-4325-9F56-C3636BF06551}" type="pres">
-      <dgm:prSet presAssocID="{6EE2ACC7-57F5-44C0-8557-3C7A99293D59}" presName="parentText" presStyleLbl="node1" presStyleIdx="0" presStyleCnt="7">
+      <dgm:prSet presAssocID="{6EE2ACC7-57F5-44C0-8557-3C7A99293D59}" presName="parentText" presStyleLbl="node1" presStyleIdx="0" presStyleCnt="6">
         <dgm:presLayoutVars>
           <dgm:chMax val="0"/>
           <dgm:bulletEnabled val="1"/>
@@ -4734,7 +4703,7 @@
       <dgm:spPr/>
     </dgm:pt>
     <dgm:pt modelId="{D17E342C-D402-4619-B22A-6DA4F16E6365}" type="pres">
-      <dgm:prSet presAssocID="{6EE2ACC7-57F5-44C0-8557-3C7A99293D59}" presName="childText" presStyleLbl="conFgAcc1" presStyleIdx="0" presStyleCnt="7">
+      <dgm:prSet presAssocID="{6EE2ACC7-57F5-44C0-8557-3C7A99293D59}" presName="childText" presStyleLbl="conFgAcc1" presStyleIdx="0" presStyleCnt="6">
         <dgm:presLayoutVars>
           <dgm:bulletEnabled val="1"/>
         </dgm:presLayoutVars>
@@ -4750,11 +4719,11 @@
       <dgm:spPr/>
     </dgm:pt>
     <dgm:pt modelId="{0209758E-A5CA-46A5-8060-976E4A1C58E2}" type="pres">
-      <dgm:prSet presAssocID="{F5AEEB8A-B9A1-494F-8884-4BB93EFB6BD2}" presName="parentLeftMargin" presStyleLbl="node1" presStyleIdx="0" presStyleCnt="7"/>
+      <dgm:prSet presAssocID="{F5AEEB8A-B9A1-494F-8884-4BB93EFB6BD2}" presName="parentLeftMargin" presStyleLbl="node1" presStyleIdx="0" presStyleCnt="6"/>
       <dgm:spPr/>
     </dgm:pt>
     <dgm:pt modelId="{A1F9AEB4-6398-429E-93EC-76017542F883}" type="pres">
-      <dgm:prSet presAssocID="{F5AEEB8A-B9A1-494F-8884-4BB93EFB6BD2}" presName="parentText" presStyleLbl="node1" presStyleIdx="1" presStyleCnt="7">
+      <dgm:prSet presAssocID="{F5AEEB8A-B9A1-494F-8884-4BB93EFB6BD2}" presName="parentText" presStyleLbl="node1" presStyleIdx="1" presStyleCnt="6">
         <dgm:presLayoutVars>
           <dgm:chMax val="0"/>
           <dgm:bulletEnabled val="1"/>
@@ -4767,7 +4736,7 @@
       <dgm:spPr/>
     </dgm:pt>
     <dgm:pt modelId="{B054BBCB-A974-4EB0-AA5A-906C788282B7}" type="pres">
-      <dgm:prSet presAssocID="{F5AEEB8A-B9A1-494F-8884-4BB93EFB6BD2}" presName="childText" presStyleLbl="conFgAcc1" presStyleIdx="1" presStyleCnt="7">
+      <dgm:prSet presAssocID="{F5AEEB8A-B9A1-494F-8884-4BB93EFB6BD2}" presName="childText" presStyleLbl="conFgAcc1" presStyleIdx="1" presStyleCnt="6">
         <dgm:presLayoutVars>
           <dgm:bulletEnabled val="1"/>
         </dgm:presLayoutVars>
@@ -4783,11 +4752,11 @@
       <dgm:spPr/>
     </dgm:pt>
     <dgm:pt modelId="{117D76A4-C54F-414B-BAD7-16AF97E2FBE3}" type="pres">
-      <dgm:prSet presAssocID="{FD50814D-A19B-4365-9B9D-3898D16D9E87}" presName="parentLeftMargin" presStyleLbl="node1" presStyleIdx="1" presStyleCnt="7"/>
+      <dgm:prSet presAssocID="{FD50814D-A19B-4365-9B9D-3898D16D9E87}" presName="parentLeftMargin" presStyleLbl="node1" presStyleIdx="1" presStyleCnt="6"/>
       <dgm:spPr/>
     </dgm:pt>
     <dgm:pt modelId="{771856A8-9499-4FB4-9674-830252E6539F}" type="pres">
-      <dgm:prSet presAssocID="{FD50814D-A19B-4365-9B9D-3898D16D9E87}" presName="parentText" presStyleLbl="node1" presStyleIdx="2" presStyleCnt="7">
+      <dgm:prSet presAssocID="{FD50814D-A19B-4365-9B9D-3898D16D9E87}" presName="parentText" presStyleLbl="node1" presStyleIdx="2" presStyleCnt="6">
         <dgm:presLayoutVars>
           <dgm:chMax val="0"/>
           <dgm:bulletEnabled val="1"/>
@@ -4800,7 +4769,7 @@
       <dgm:spPr/>
     </dgm:pt>
     <dgm:pt modelId="{48B80593-7D6D-44FF-8ED2-3A7529FCA7DC}" type="pres">
-      <dgm:prSet presAssocID="{FD50814D-A19B-4365-9B9D-3898D16D9E87}" presName="childText" presStyleLbl="conFgAcc1" presStyleIdx="2" presStyleCnt="7">
+      <dgm:prSet presAssocID="{FD50814D-A19B-4365-9B9D-3898D16D9E87}" presName="childText" presStyleLbl="conFgAcc1" presStyleIdx="2" presStyleCnt="6">
         <dgm:presLayoutVars>
           <dgm:bulletEnabled val="1"/>
         </dgm:presLayoutVars>
@@ -4816,11 +4785,11 @@
       <dgm:spPr/>
     </dgm:pt>
     <dgm:pt modelId="{002B0255-74F4-491F-954F-31887DD2AF71}" type="pres">
-      <dgm:prSet presAssocID="{27B0A733-2533-45F3-8A49-0AF93B1B754C}" presName="parentLeftMargin" presStyleLbl="node1" presStyleIdx="2" presStyleCnt="7"/>
+      <dgm:prSet presAssocID="{27B0A733-2533-45F3-8A49-0AF93B1B754C}" presName="parentLeftMargin" presStyleLbl="node1" presStyleIdx="2" presStyleCnt="6"/>
       <dgm:spPr/>
     </dgm:pt>
     <dgm:pt modelId="{646518B0-9540-4836-9D95-0A89D10F8206}" type="pres">
-      <dgm:prSet presAssocID="{27B0A733-2533-45F3-8A49-0AF93B1B754C}" presName="parentText" presStyleLbl="node1" presStyleIdx="3" presStyleCnt="7">
+      <dgm:prSet presAssocID="{27B0A733-2533-45F3-8A49-0AF93B1B754C}" presName="parentText" presStyleLbl="node1" presStyleIdx="3" presStyleCnt="6">
         <dgm:presLayoutVars>
           <dgm:chMax val="0"/>
           <dgm:bulletEnabled val="1"/>
@@ -4833,7 +4802,7 @@
       <dgm:spPr/>
     </dgm:pt>
     <dgm:pt modelId="{B4E3E689-85B7-4E06-9268-C3A36414E2B6}" type="pres">
-      <dgm:prSet presAssocID="{27B0A733-2533-45F3-8A49-0AF93B1B754C}" presName="childText" presStyleLbl="conFgAcc1" presStyleIdx="3" presStyleCnt="7">
+      <dgm:prSet presAssocID="{27B0A733-2533-45F3-8A49-0AF93B1B754C}" presName="childText" presStyleLbl="conFgAcc1" presStyleIdx="3" presStyleCnt="6">
         <dgm:presLayoutVars>
           <dgm:bulletEnabled val="1"/>
         </dgm:presLayoutVars>
@@ -4849,11 +4818,11 @@
       <dgm:spPr/>
     </dgm:pt>
     <dgm:pt modelId="{38197FB4-9BE8-4F1E-9C3E-5CFBE067732B}" type="pres">
-      <dgm:prSet presAssocID="{F133E02E-E929-44F8-99E2-163E8F158D8D}" presName="parentLeftMargin" presStyleLbl="node1" presStyleIdx="3" presStyleCnt="7"/>
+      <dgm:prSet presAssocID="{F133E02E-E929-44F8-99E2-163E8F158D8D}" presName="parentLeftMargin" presStyleLbl="node1" presStyleIdx="3" presStyleCnt="6"/>
       <dgm:spPr/>
     </dgm:pt>
     <dgm:pt modelId="{8E82D465-EEF5-4221-AB80-B103D969F87A}" type="pres">
-      <dgm:prSet presAssocID="{F133E02E-E929-44F8-99E2-163E8F158D8D}" presName="parentText" presStyleLbl="node1" presStyleIdx="4" presStyleCnt="7">
+      <dgm:prSet presAssocID="{F133E02E-E929-44F8-99E2-163E8F158D8D}" presName="parentText" presStyleLbl="node1" presStyleIdx="4" presStyleCnt="6">
         <dgm:presLayoutVars>
           <dgm:chMax val="0"/>
           <dgm:bulletEnabled val="1"/>
@@ -4866,7 +4835,7 @@
       <dgm:spPr/>
     </dgm:pt>
     <dgm:pt modelId="{62BD4F12-721D-44C8-B957-CC968C9157D5}" type="pres">
-      <dgm:prSet presAssocID="{F133E02E-E929-44F8-99E2-163E8F158D8D}" presName="childText" presStyleLbl="conFgAcc1" presStyleIdx="4" presStyleCnt="7">
+      <dgm:prSet presAssocID="{F133E02E-E929-44F8-99E2-163E8F158D8D}" presName="childText" presStyleLbl="conFgAcc1" presStyleIdx="4" presStyleCnt="6">
         <dgm:presLayoutVars>
           <dgm:bulletEnabled val="1"/>
         </dgm:presLayoutVars>
@@ -4877,49 +4846,16 @@
       <dgm:prSet presAssocID="{AF3DCA0B-BFEC-4045-9BE6-ED92D1E043B9}" presName="spaceBetweenRectangles" presStyleCnt="0"/>
       <dgm:spPr/>
     </dgm:pt>
-    <dgm:pt modelId="{49719614-1C36-436F-A5AA-A7DF93BFB664}" type="pres">
-      <dgm:prSet presAssocID="{50ACB284-1887-45BD-8BF1-CB87DA2030C8}" presName="parentLin" presStyleCnt="0"/>
-      <dgm:spPr/>
-    </dgm:pt>
-    <dgm:pt modelId="{06CE2FD0-16CF-4EC8-A302-3DE172F99B9C}" type="pres">
-      <dgm:prSet presAssocID="{50ACB284-1887-45BD-8BF1-CB87DA2030C8}" presName="parentLeftMargin" presStyleLbl="node1" presStyleIdx="4" presStyleCnt="7"/>
-      <dgm:spPr/>
-    </dgm:pt>
-    <dgm:pt modelId="{0411288F-6E23-4EEC-B2A6-687D0F04B125}" type="pres">
-      <dgm:prSet presAssocID="{50ACB284-1887-45BD-8BF1-CB87DA2030C8}" presName="parentText" presStyleLbl="node1" presStyleIdx="5" presStyleCnt="7">
-        <dgm:presLayoutVars>
-          <dgm:chMax val="0"/>
-          <dgm:bulletEnabled val="1"/>
-        </dgm:presLayoutVars>
-      </dgm:prSet>
-      <dgm:spPr/>
-    </dgm:pt>
-    <dgm:pt modelId="{DBD0C51D-F119-425C-9853-389FAE68C42B}" type="pres">
-      <dgm:prSet presAssocID="{50ACB284-1887-45BD-8BF1-CB87DA2030C8}" presName="negativeSpace" presStyleCnt="0"/>
-      <dgm:spPr/>
-    </dgm:pt>
-    <dgm:pt modelId="{BA3136BD-9EA1-4353-B5CA-8D2A9AE208A7}" type="pres">
-      <dgm:prSet presAssocID="{50ACB284-1887-45BD-8BF1-CB87DA2030C8}" presName="childText" presStyleLbl="conFgAcc1" presStyleIdx="5" presStyleCnt="7">
-        <dgm:presLayoutVars>
-          <dgm:bulletEnabled val="1"/>
-        </dgm:presLayoutVars>
-      </dgm:prSet>
-      <dgm:spPr/>
-    </dgm:pt>
-    <dgm:pt modelId="{EFC2B8E0-A782-4AB1-B59C-D3900A1E6D5C}" type="pres">
-      <dgm:prSet presAssocID="{6F7A7DD7-9480-4AE7-8A8C-BA574A23FB0E}" presName="spaceBetweenRectangles" presStyleCnt="0"/>
-      <dgm:spPr/>
-    </dgm:pt>
     <dgm:pt modelId="{7FE35D60-18C8-47BD-8F16-03A2E0D26A62}" type="pres">
       <dgm:prSet presAssocID="{99BE68E4-8314-49F4-A495-82FC6C9E70F2}" presName="parentLin" presStyleCnt="0"/>
       <dgm:spPr/>
     </dgm:pt>
     <dgm:pt modelId="{0D72FDFD-4922-4F05-A025-D1CEDFAAD552}" type="pres">
-      <dgm:prSet presAssocID="{99BE68E4-8314-49F4-A495-82FC6C9E70F2}" presName="parentLeftMargin" presStyleLbl="node1" presStyleIdx="5" presStyleCnt="7"/>
+      <dgm:prSet presAssocID="{99BE68E4-8314-49F4-A495-82FC6C9E70F2}" presName="parentLeftMargin" presStyleLbl="node1" presStyleIdx="4" presStyleCnt="6"/>
       <dgm:spPr/>
     </dgm:pt>
     <dgm:pt modelId="{FF1BCBD0-C6D5-451A-8BA8-0E5E8C939107}" type="pres">
-      <dgm:prSet presAssocID="{99BE68E4-8314-49F4-A495-82FC6C9E70F2}" presName="parentText" presStyleLbl="node1" presStyleIdx="6" presStyleCnt="7">
+      <dgm:prSet presAssocID="{99BE68E4-8314-49F4-A495-82FC6C9E70F2}" presName="parentText" presStyleLbl="node1" presStyleIdx="5" presStyleCnt="6">
         <dgm:presLayoutVars>
           <dgm:chMax val="0"/>
           <dgm:bulletEnabled val="1"/>
@@ -4932,7 +4868,7 @@
       <dgm:spPr/>
     </dgm:pt>
     <dgm:pt modelId="{5DA7A78D-B793-40A7-986C-F9E499DF6E2B}" type="pres">
-      <dgm:prSet presAssocID="{99BE68E4-8314-49F4-A495-82FC6C9E70F2}" presName="childText" presStyleLbl="conFgAcc1" presStyleIdx="6" presStyleCnt="7">
+      <dgm:prSet presAssocID="{99BE68E4-8314-49F4-A495-82FC6C9E70F2}" presName="childText" presStyleLbl="conFgAcc1" presStyleIdx="5" presStyleCnt="6">
         <dgm:presLayoutVars>
           <dgm:bulletEnabled val="1"/>
         </dgm:presLayoutVars>
@@ -4945,18 +4881,15 @@
     <dgm:cxn modelId="{DF657B05-A407-47DE-844B-A05A603D98C4}" srcId="{6EE2ACC7-57F5-44C0-8557-3C7A99293D59}" destId="{1478AFC7-18D9-4B4B-A6CD-F5FA2157F86C}" srcOrd="0" destOrd="0" parTransId="{D0791369-027D-44D6-986B-0CCB574AA139}" sibTransId="{AAE0C5C3-97EB-4B67-A370-9CDB0124E6BA}"/>
     <dgm:cxn modelId="{EA0A933C-4B17-45B9-A1A6-638C7320E27A}" type="presOf" srcId="{FD50814D-A19B-4365-9B9D-3898D16D9E87}" destId="{117D76A4-C54F-414B-BAD7-16AF97E2FBE3}" srcOrd="0" destOrd="0" presId="urn:microsoft.com/office/officeart/2005/8/layout/list1"/>
     <dgm:cxn modelId="{E5F8423F-B4A8-424C-86EB-33448F3F98DC}" type="presOf" srcId="{F5AEEB8A-B9A1-494F-8884-4BB93EFB6BD2}" destId="{0209758E-A5CA-46A5-8060-976E4A1C58E2}" srcOrd="0" destOrd="0" presId="urn:microsoft.com/office/officeart/2005/8/layout/list1"/>
-    <dgm:cxn modelId="{AD861946-6CCE-4E82-B21B-19ECA99ABCFB}" type="presOf" srcId="{50ACB284-1887-45BD-8BF1-CB87DA2030C8}" destId="{06CE2FD0-16CF-4EC8-A302-3DE172F99B9C}" srcOrd="0" destOrd="0" presId="urn:microsoft.com/office/officeart/2005/8/layout/list1"/>
     <dgm:cxn modelId="{49AD3E6D-942A-4CFA-884F-F1DFE9F1BF2F}" srcId="{73B4ED30-6AAF-4A05-8BE3-056BC06863E3}" destId="{6EE2ACC7-57F5-44C0-8557-3C7A99293D59}" srcOrd="0" destOrd="0" parTransId="{EC0C4848-1477-4CEC-B09E-50815ABD7293}" sibTransId="{7BAD47FE-A5FC-4729-A20E-30CDB83BDF8D}"/>
     <dgm:cxn modelId="{0064F686-E2AD-470C-980D-00E17F7F7E10}" srcId="{73B4ED30-6AAF-4A05-8BE3-056BC06863E3}" destId="{F5AEEB8A-B9A1-494F-8884-4BB93EFB6BD2}" srcOrd="1" destOrd="0" parTransId="{9E83FB05-D7FB-495C-99A4-2C63300E5A7C}" sibTransId="{07892570-0444-40C6-A81E-6EDA2AB9BC19}"/>
-    <dgm:cxn modelId="{FC288C91-9087-41AE-B552-B683697A2D08}" srcId="{73B4ED30-6AAF-4A05-8BE3-056BC06863E3}" destId="{50ACB284-1887-45BD-8BF1-CB87DA2030C8}" srcOrd="5" destOrd="0" parTransId="{730BB81C-ED3E-4FC7-BE87-9A2F8159D036}" sibTransId="{6F7A7DD7-9480-4AE7-8A8C-BA574A23FB0E}"/>
     <dgm:cxn modelId="{17868493-91BF-4F10-BAD8-4E42E57AD53F}" type="presOf" srcId="{27B0A733-2533-45F3-8A49-0AF93B1B754C}" destId="{646518B0-9540-4836-9D95-0A89D10F8206}" srcOrd="1" destOrd="0" presId="urn:microsoft.com/office/officeart/2005/8/layout/list1"/>
-    <dgm:cxn modelId="{D8EE52A0-CE4D-4967-A309-907B1F0B8ADC}" srcId="{73B4ED30-6AAF-4A05-8BE3-056BC06863E3}" destId="{99BE68E4-8314-49F4-A495-82FC6C9E70F2}" srcOrd="6" destOrd="0" parTransId="{A36AA91C-0CB7-4FE2-9487-F5E8CEF7F754}" sibTransId="{ADF5CB81-BB4F-4C2A-9F1A-22EEF9C97C40}"/>
+    <dgm:cxn modelId="{D8EE52A0-CE4D-4967-A309-907B1F0B8ADC}" srcId="{73B4ED30-6AAF-4A05-8BE3-056BC06863E3}" destId="{99BE68E4-8314-49F4-A495-82FC6C9E70F2}" srcOrd="5" destOrd="0" parTransId="{A36AA91C-0CB7-4FE2-9487-F5E8CEF7F754}" sibTransId="{ADF5CB81-BB4F-4C2A-9F1A-22EEF9C97C40}"/>
     <dgm:cxn modelId="{C5A09DA0-9503-4655-AC7E-98CAEAF9D85C}" type="presOf" srcId="{F133E02E-E929-44F8-99E2-163E8F158D8D}" destId="{8E82D465-EEF5-4221-AB80-B103D969F87A}" srcOrd="1" destOrd="0" presId="urn:microsoft.com/office/officeart/2005/8/layout/list1"/>
     <dgm:cxn modelId="{06884DA5-891E-4527-B643-2A0E73FC9747}" type="presOf" srcId="{FD50814D-A19B-4365-9B9D-3898D16D9E87}" destId="{771856A8-9499-4FB4-9674-830252E6539F}" srcOrd="1" destOrd="0" presId="urn:microsoft.com/office/officeart/2005/8/layout/list1"/>
     <dgm:cxn modelId="{700A2BB3-ED21-4CD4-8673-F62EDFE469CC}" type="presOf" srcId="{99BE68E4-8314-49F4-A495-82FC6C9E70F2}" destId="{0D72FDFD-4922-4F05-A025-D1CEDFAAD552}" srcOrd="0" destOrd="0" presId="urn:microsoft.com/office/officeart/2005/8/layout/list1"/>
     <dgm:cxn modelId="{DC3B80B6-C9A7-4621-827A-A2555EC55552}" type="presOf" srcId="{6EE2ACC7-57F5-44C0-8557-3C7A99293D59}" destId="{809081EC-0899-4325-9F56-C3636BF06551}" srcOrd="1" destOrd="0" presId="urn:microsoft.com/office/officeart/2005/8/layout/list1"/>
     <dgm:cxn modelId="{9BD28FB6-2C88-496A-9804-733D7FCE9E0F}" srcId="{73B4ED30-6AAF-4A05-8BE3-056BC06863E3}" destId="{FD50814D-A19B-4365-9B9D-3898D16D9E87}" srcOrd="2" destOrd="0" parTransId="{F6F0FFB5-54BC-4F40-B784-402AC485C128}" sibTransId="{CF7B9E0C-360E-4CCA-8133-291F17AFF183}"/>
-    <dgm:cxn modelId="{6F602EBC-83DD-4A50-BDB4-AFBA7F6057BF}" type="presOf" srcId="{50ACB284-1887-45BD-8BF1-CB87DA2030C8}" destId="{0411288F-6E23-4EEC-B2A6-687D0F04B125}" srcOrd="1" destOrd="0" presId="urn:microsoft.com/office/officeart/2005/8/layout/list1"/>
     <dgm:cxn modelId="{D4477FC4-26F6-4461-8694-533C3817CA89}" srcId="{73B4ED30-6AAF-4A05-8BE3-056BC06863E3}" destId="{F133E02E-E929-44F8-99E2-163E8F158D8D}" srcOrd="4" destOrd="0" parTransId="{07F8B606-9855-49C4-8B7E-C332B7AB8075}" sibTransId="{AF3DCA0B-BFEC-4045-9BE6-ED92D1E043B9}"/>
     <dgm:cxn modelId="{8B9003C6-99C9-4D5F-B0D9-F4537BD59E6F}" type="presOf" srcId="{73B4ED30-6AAF-4A05-8BE3-056BC06863E3}" destId="{AE1756AC-BE01-4A77-A0D1-BB27979DA845}" srcOrd="0" destOrd="0" presId="urn:microsoft.com/office/officeart/2005/8/layout/list1"/>
     <dgm:cxn modelId="{961565CC-C273-4392-8813-AC3BB086B50F}" type="presOf" srcId="{6EE2ACC7-57F5-44C0-8557-3C7A99293D59}" destId="{2BF200AE-E5DF-4658-BDE5-211A2F8D2E82}" srcOrd="0" destOrd="0" presId="urn:microsoft.com/office/officeart/2005/8/layout/list1"/>
@@ -4995,17 +4928,11 @@
     <dgm:cxn modelId="{B2777B1D-AFEE-4187-8729-56144755A191}" type="presParOf" srcId="{AE1756AC-BE01-4A77-A0D1-BB27979DA845}" destId="{D8F04786-ED45-4B67-A349-3CBB932FB6F0}" srcOrd="17" destOrd="0" presId="urn:microsoft.com/office/officeart/2005/8/layout/list1"/>
     <dgm:cxn modelId="{73451BC0-3A2C-4328-837A-925F14BF3005}" type="presParOf" srcId="{AE1756AC-BE01-4A77-A0D1-BB27979DA845}" destId="{62BD4F12-721D-44C8-B957-CC968C9157D5}" srcOrd="18" destOrd="0" presId="urn:microsoft.com/office/officeart/2005/8/layout/list1"/>
     <dgm:cxn modelId="{8405D2FB-0454-4E2D-9243-232020338A80}" type="presParOf" srcId="{AE1756AC-BE01-4A77-A0D1-BB27979DA845}" destId="{22883550-E5B1-423D-AA86-354BAC73D1C5}" srcOrd="19" destOrd="0" presId="urn:microsoft.com/office/officeart/2005/8/layout/list1"/>
-    <dgm:cxn modelId="{2C319A76-B137-43D8-A924-B0034C06935E}" type="presParOf" srcId="{AE1756AC-BE01-4A77-A0D1-BB27979DA845}" destId="{49719614-1C36-436F-A5AA-A7DF93BFB664}" srcOrd="20" destOrd="0" presId="urn:microsoft.com/office/officeart/2005/8/layout/list1"/>
-    <dgm:cxn modelId="{47D51D3E-4137-4294-9358-292205CC79A1}" type="presParOf" srcId="{49719614-1C36-436F-A5AA-A7DF93BFB664}" destId="{06CE2FD0-16CF-4EC8-A302-3DE172F99B9C}" srcOrd="0" destOrd="0" presId="urn:microsoft.com/office/officeart/2005/8/layout/list1"/>
-    <dgm:cxn modelId="{D58A77AE-DF7F-4ECA-8A5D-178086ADB12D}" type="presParOf" srcId="{49719614-1C36-436F-A5AA-A7DF93BFB664}" destId="{0411288F-6E23-4EEC-B2A6-687D0F04B125}" srcOrd="1" destOrd="0" presId="urn:microsoft.com/office/officeart/2005/8/layout/list1"/>
-    <dgm:cxn modelId="{45E5405C-6BF5-4A96-AAFF-373A6233E60F}" type="presParOf" srcId="{AE1756AC-BE01-4A77-A0D1-BB27979DA845}" destId="{DBD0C51D-F119-425C-9853-389FAE68C42B}" srcOrd="21" destOrd="0" presId="urn:microsoft.com/office/officeart/2005/8/layout/list1"/>
-    <dgm:cxn modelId="{27FDDEEA-931E-4C29-B265-FA5A2E1AA999}" type="presParOf" srcId="{AE1756AC-BE01-4A77-A0D1-BB27979DA845}" destId="{BA3136BD-9EA1-4353-B5CA-8D2A9AE208A7}" srcOrd="22" destOrd="0" presId="urn:microsoft.com/office/officeart/2005/8/layout/list1"/>
-    <dgm:cxn modelId="{886C6BD3-6990-4700-B9E4-A128EA917414}" type="presParOf" srcId="{AE1756AC-BE01-4A77-A0D1-BB27979DA845}" destId="{EFC2B8E0-A782-4AB1-B59C-D3900A1E6D5C}" srcOrd="23" destOrd="0" presId="urn:microsoft.com/office/officeart/2005/8/layout/list1"/>
-    <dgm:cxn modelId="{540E5B0D-BD22-486E-9551-7AAEB76DE846}" type="presParOf" srcId="{AE1756AC-BE01-4A77-A0D1-BB27979DA845}" destId="{7FE35D60-18C8-47BD-8F16-03A2E0D26A62}" srcOrd="24" destOrd="0" presId="urn:microsoft.com/office/officeart/2005/8/layout/list1"/>
+    <dgm:cxn modelId="{540E5B0D-BD22-486E-9551-7AAEB76DE846}" type="presParOf" srcId="{AE1756AC-BE01-4A77-A0D1-BB27979DA845}" destId="{7FE35D60-18C8-47BD-8F16-03A2E0D26A62}" srcOrd="20" destOrd="0" presId="urn:microsoft.com/office/officeart/2005/8/layout/list1"/>
     <dgm:cxn modelId="{AB68DB84-CDB8-4450-B708-ED51535352B4}" type="presParOf" srcId="{7FE35D60-18C8-47BD-8F16-03A2E0D26A62}" destId="{0D72FDFD-4922-4F05-A025-D1CEDFAAD552}" srcOrd="0" destOrd="0" presId="urn:microsoft.com/office/officeart/2005/8/layout/list1"/>
     <dgm:cxn modelId="{491D5DEE-C9CE-44E5-8EAF-C3F12849F1CA}" type="presParOf" srcId="{7FE35D60-18C8-47BD-8F16-03A2E0D26A62}" destId="{FF1BCBD0-C6D5-451A-8BA8-0E5E8C939107}" srcOrd="1" destOrd="0" presId="urn:microsoft.com/office/officeart/2005/8/layout/list1"/>
-    <dgm:cxn modelId="{6FC67635-9163-4F09-9F89-247EC17821E6}" type="presParOf" srcId="{AE1756AC-BE01-4A77-A0D1-BB27979DA845}" destId="{D883C22E-5392-4FA4-9C55-3E1372C5943A}" srcOrd="25" destOrd="0" presId="urn:microsoft.com/office/officeart/2005/8/layout/list1"/>
-    <dgm:cxn modelId="{6E200811-B182-4DB6-A975-52A7840BD7B9}" type="presParOf" srcId="{AE1756AC-BE01-4A77-A0D1-BB27979DA845}" destId="{5DA7A78D-B793-40A7-986C-F9E499DF6E2B}" srcOrd="26" destOrd="0" presId="urn:microsoft.com/office/officeart/2005/8/layout/list1"/>
+    <dgm:cxn modelId="{6FC67635-9163-4F09-9F89-247EC17821E6}" type="presParOf" srcId="{AE1756AC-BE01-4A77-A0D1-BB27979DA845}" destId="{D883C22E-5392-4FA4-9C55-3E1372C5943A}" srcOrd="21" destOrd="0" presId="urn:microsoft.com/office/officeart/2005/8/layout/list1"/>
+    <dgm:cxn modelId="{6E200811-B182-4DB6-A975-52A7840BD7B9}" type="presParOf" srcId="{AE1756AC-BE01-4A77-A0D1-BB27979DA845}" destId="{5DA7A78D-B793-40A7-986C-F9E499DF6E2B}" srcOrd="22" destOrd="0" presId="urn:microsoft.com/office/officeart/2005/8/layout/list1"/>
   </dgm:cxnLst>
   <dgm:bg/>
   <dgm:whole/>
@@ -6850,8 +6777,8 @@
       </dsp:nvSpPr>
       <dsp:spPr>
         <a:xfrm>
-          <a:off x="0" y="330772"/>
-          <a:ext cx="4717669" cy="667800"/>
+          <a:off x="0" y="1008949"/>
+          <a:ext cx="4974670" cy="584325"/>
         </a:xfrm>
         <a:prstGeom prst="rect">
           <a:avLst/>
@@ -6891,12 +6818,12 @@
         <a:fontRef idx="minor"/>
       </dsp:style>
       <dsp:txBody>
-        <a:bodyPr spcFirstLastPara="0" vert="horz" wrap="square" lIns="366144" tIns="333248" rIns="366144" bIns="113792" numCol="1" spcCol="1270" anchor="t" anchorCtr="0">
+        <a:bodyPr spcFirstLastPara="0" vert="horz" wrap="square" lIns="386090" tIns="291592" rIns="386090" bIns="99568" numCol="1" spcCol="1270" anchor="t" anchorCtr="0">
           <a:noAutofit/>
         </a:bodyPr>
         <a:lstStyle/>
         <a:p>
-          <a:pPr marL="171450" lvl="1" indent="-171450" algn="l" defTabSz="711200">
+          <a:pPr marL="114300" lvl="1" indent="-114300" algn="l" defTabSz="622300">
             <a:lnSpc>
               <a:spcPct val="90000"/>
             </a:lnSpc>
@@ -6909,15 +6836,15 @@
             <a:buChar char="•"/>
           </a:pPr>
           <a:r>
-            <a:rPr lang="en-IN" sz="1600" b="0" i="0" kern="1200"/>
+            <a:rPr lang="en-IN" sz="1400" b="0" i="0" kern="1200"/>
             <a:t>Registration and Login</a:t>
           </a:r>
-          <a:endParaRPr lang="en-US" sz="1600" kern="1200"/>
+          <a:endParaRPr lang="en-US" sz="1400" kern="1200"/>
         </a:p>
       </dsp:txBody>
       <dsp:txXfrm>
-        <a:off x="0" y="330772"/>
-        <a:ext cx="4717669" cy="667800"/>
+        <a:off x="0" y="1008949"/>
+        <a:ext cx="4974670" cy="584325"/>
       </dsp:txXfrm>
     </dsp:sp>
     <dsp:sp modelId="{809081EC-0899-4325-9F56-C3636BF06551}">
@@ -6927,8 +6854,8 @@
       </dsp:nvSpPr>
       <dsp:spPr>
         <a:xfrm>
-          <a:off x="235883" y="94612"/>
-          <a:ext cx="3302368" cy="472320"/>
+          <a:off x="248733" y="802309"/>
+          <a:ext cx="3482269" cy="413280"/>
         </a:xfrm>
         <a:prstGeom prst="roundRect">
           <a:avLst/>
@@ -6969,12 +6896,12 @@
         </a:fontRef>
       </dsp:style>
       <dsp:txBody>
-        <a:bodyPr spcFirstLastPara="0" vert="horz" wrap="square" lIns="124822" tIns="0" rIns="124822" bIns="0" numCol="1" spcCol="1270" anchor="ctr" anchorCtr="0">
+        <a:bodyPr spcFirstLastPara="0" vert="horz" wrap="square" lIns="131622" tIns="0" rIns="131622" bIns="0" numCol="1" spcCol="1270" anchor="ctr" anchorCtr="0">
           <a:noAutofit/>
         </a:bodyPr>
         <a:lstStyle/>
         <a:p>
-          <a:pPr marL="0" lvl="0" indent="0" algn="l" defTabSz="711200">
+          <a:pPr marL="0" lvl="0" indent="0" algn="l" defTabSz="622300">
             <a:lnSpc>
               <a:spcPct val="90000"/>
             </a:lnSpc>
@@ -6987,15 +6914,15 @@
             <a:buNone/>
           </a:pPr>
           <a:r>
-            <a:rPr lang="en-IN" sz="1600" b="1" i="0" kern="1200"/>
+            <a:rPr lang="en-IN" sz="1400" b="1" i="0" kern="1200"/>
             <a:t>User Management Module</a:t>
           </a:r>
-          <a:endParaRPr lang="en-US" sz="1600" kern="1200"/>
+          <a:endParaRPr lang="en-US" sz="1400" kern="1200"/>
         </a:p>
       </dsp:txBody>
       <dsp:txXfrm>
-        <a:off x="258940" y="117669"/>
-        <a:ext cx="3256254" cy="426206"/>
+        <a:off x="268908" y="822484"/>
+        <a:ext cx="3441919" cy="372930"/>
       </dsp:txXfrm>
     </dsp:sp>
     <dsp:sp modelId="{B054BBCB-A974-4EB0-AA5A-906C788282B7}">
@@ -7005,8 +6932,8 @@
       </dsp:nvSpPr>
       <dsp:spPr>
         <a:xfrm>
-          <a:off x="0" y="1321132"/>
-          <a:ext cx="4717669" cy="403200"/>
+          <a:off x="0" y="1875515"/>
+          <a:ext cx="4974670" cy="352800"/>
         </a:xfrm>
         <a:prstGeom prst="rect">
           <a:avLst/>
@@ -7023,9 +6950,9 @@
         <a:ln w="12700" cap="flat" cmpd="sng" algn="ctr">
           <a:solidFill>
             <a:schemeClr val="accent2">
-              <a:hueOff val="191582"/>
-              <a:satOff val="-3129"/>
-              <a:lumOff val="196"/>
+              <a:hueOff val="229898"/>
+              <a:satOff val="-3754"/>
+              <a:lumOff val="235"/>
               <a:alphaOff val="0"/>
             </a:schemeClr>
           </a:solidFill>
@@ -7053,17 +6980,17 @@
       </dsp:nvSpPr>
       <dsp:spPr>
         <a:xfrm>
-          <a:off x="235883" y="1084972"/>
-          <a:ext cx="3302368" cy="472320"/>
+          <a:off x="248733" y="1668874"/>
+          <a:ext cx="3482269" cy="413280"/>
         </a:xfrm>
         <a:prstGeom prst="roundRect">
           <a:avLst/>
         </a:prstGeom>
         <a:solidFill>
           <a:schemeClr val="accent2">
-            <a:hueOff val="191582"/>
-            <a:satOff val="-3129"/>
-            <a:lumOff val="196"/>
+            <a:hueOff val="229898"/>
+            <a:satOff val="-3754"/>
+            <a:lumOff val="235"/>
             <a:alphaOff val="0"/>
           </a:schemeClr>
         </a:solidFill>
@@ -7095,12 +7022,12 @@
         </a:fontRef>
       </dsp:style>
       <dsp:txBody>
-        <a:bodyPr spcFirstLastPara="0" vert="horz" wrap="square" lIns="124822" tIns="0" rIns="124822" bIns="0" numCol="1" spcCol="1270" anchor="ctr" anchorCtr="0">
+        <a:bodyPr spcFirstLastPara="0" vert="horz" wrap="square" lIns="131622" tIns="0" rIns="131622" bIns="0" numCol="1" spcCol="1270" anchor="ctr" anchorCtr="0">
           <a:noAutofit/>
         </a:bodyPr>
         <a:lstStyle/>
         <a:p>
-          <a:pPr marL="0" lvl="0" indent="0" algn="l" defTabSz="711200">
+          <a:pPr marL="0" lvl="0" indent="0" algn="l" defTabSz="622300">
             <a:lnSpc>
               <a:spcPct val="90000"/>
             </a:lnSpc>
@@ -7113,15 +7040,15 @@
             <a:buNone/>
           </a:pPr>
           <a:r>
-            <a:rPr lang="en-US" sz="1600" b="1" kern="1200"/>
+            <a:rPr lang="en-US" sz="1400" b="1" kern="1200"/>
             <a:t>Project Posting</a:t>
           </a:r>
-          <a:endParaRPr lang="en-US" sz="1600" kern="1200"/>
+          <a:endParaRPr lang="en-US" sz="1400" kern="1200"/>
         </a:p>
       </dsp:txBody>
       <dsp:txXfrm>
-        <a:off x="258940" y="1108029"/>
-        <a:ext cx="3256254" cy="426206"/>
+        <a:off x="268908" y="1689049"/>
+        <a:ext cx="3441919" cy="372930"/>
       </dsp:txXfrm>
     </dsp:sp>
     <dsp:sp modelId="{48B80593-7D6D-44FF-8ED2-3A7529FCA7DC}">
@@ -7131,8 +7058,8 @@
       </dsp:nvSpPr>
       <dsp:spPr>
         <a:xfrm>
-          <a:off x="0" y="2046892"/>
-          <a:ext cx="4717669" cy="403200"/>
+          <a:off x="0" y="2510554"/>
+          <a:ext cx="4974670" cy="352800"/>
         </a:xfrm>
         <a:prstGeom prst="rect">
           <a:avLst/>
@@ -7149,9 +7076,9 @@
         <a:ln w="12700" cap="flat" cmpd="sng" algn="ctr">
           <a:solidFill>
             <a:schemeClr val="accent2">
-              <a:hueOff val="383163"/>
-              <a:satOff val="-6257"/>
-              <a:lumOff val="392"/>
+              <a:hueOff val="459796"/>
+              <a:satOff val="-7509"/>
+              <a:lumOff val="470"/>
               <a:alphaOff val="0"/>
             </a:schemeClr>
           </a:solidFill>
@@ -7179,17 +7106,17 @@
       </dsp:nvSpPr>
       <dsp:spPr>
         <a:xfrm>
-          <a:off x="235883" y="1810732"/>
-          <a:ext cx="3302368" cy="472320"/>
+          <a:off x="248733" y="2303915"/>
+          <a:ext cx="3482269" cy="413280"/>
         </a:xfrm>
         <a:prstGeom prst="roundRect">
           <a:avLst/>
         </a:prstGeom>
         <a:solidFill>
           <a:schemeClr val="accent2">
-            <a:hueOff val="383163"/>
-            <a:satOff val="-6257"/>
-            <a:lumOff val="392"/>
+            <a:hueOff val="459796"/>
+            <a:satOff val="-7509"/>
+            <a:lumOff val="470"/>
             <a:alphaOff val="0"/>
           </a:schemeClr>
         </a:solidFill>
@@ -7221,12 +7148,12 @@
         </a:fontRef>
       </dsp:style>
       <dsp:txBody>
-        <a:bodyPr spcFirstLastPara="0" vert="horz" wrap="square" lIns="124822" tIns="0" rIns="124822" bIns="0" numCol="1" spcCol="1270" anchor="ctr" anchorCtr="0">
+        <a:bodyPr spcFirstLastPara="0" vert="horz" wrap="square" lIns="131622" tIns="0" rIns="131622" bIns="0" numCol="1" spcCol="1270" anchor="ctr" anchorCtr="0">
           <a:noAutofit/>
         </a:bodyPr>
         <a:lstStyle/>
         <a:p>
-          <a:pPr marL="0" lvl="0" indent="0" algn="l" defTabSz="711200">
+          <a:pPr marL="0" lvl="0" indent="0" algn="l" defTabSz="622300">
             <a:lnSpc>
               <a:spcPct val="90000"/>
             </a:lnSpc>
@@ -7239,15 +7166,15 @@
             <a:buNone/>
           </a:pPr>
           <a:r>
-            <a:rPr lang="en-US" sz="1600" b="1" kern="1200" dirty="0"/>
-            <a:t>ML-Driven Project Scoring</a:t>
+            <a:rPr lang="en-US" sz="1400" b="1" kern="1200" dirty="0"/>
+            <a:t>ML-Driven Project Success Prediction</a:t>
           </a:r>
-          <a:endParaRPr lang="en-US" sz="1600" kern="1200" dirty="0"/>
+          <a:endParaRPr lang="en-US" sz="1400" kern="1200" dirty="0"/>
         </a:p>
       </dsp:txBody>
       <dsp:txXfrm>
-        <a:off x="258940" y="1833789"/>
-        <a:ext cx="3256254" cy="426206"/>
+        <a:off x="268908" y="2324090"/>
+        <a:ext cx="3441919" cy="372930"/>
       </dsp:txXfrm>
     </dsp:sp>
     <dsp:sp modelId="{B4E3E689-85B7-4E06-9268-C3A36414E2B6}">
@@ -7257,8 +7184,8 @@
       </dsp:nvSpPr>
       <dsp:spPr>
         <a:xfrm>
-          <a:off x="0" y="2772652"/>
-          <a:ext cx="4717669" cy="403200"/>
+          <a:off x="0" y="3145595"/>
+          <a:ext cx="4974670" cy="352800"/>
         </a:xfrm>
         <a:prstGeom prst="rect">
           <a:avLst/>
@@ -7275,9 +7202,9 @@
         <a:ln w="12700" cap="flat" cmpd="sng" algn="ctr">
           <a:solidFill>
             <a:schemeClr val="accent2">
-              <a:hueOff val="574745"/>
-              <a:satOff val="-9386"/>
-              <a:lumOff val="588"/>
+              <a:hueOff val="689694"/>
+              <a:satOff val="-11263"/>
+              <a:lumOff val="706"/>
               <a:alphaOff val="0"/>
             </a:schemeClr>
           </a:solidFill>
@@ -7305,17 +7232,17 @@
       </dsp:nvSpPr>
       <dsp:spPr>
         <a:xfrm>
-          <a:off x="235883" y="2536492"/>
-          <a:ext cx="3302368" cy="472320"/>
+          <a:off x="248733" y="2938955"/>
+          <a:ext cx="3482269" cy="413280"/>
         </a:xfrm>
         <a:prstGeom prst="roundRect">
           <a:avLst/>
         </a:prstGeom>
         <a:solidFill>
           <a:schemeClr val="accent2">
-            <a:hueOff val="574745"/>
-            <a:satOff val="-9386"/>
-            <a:lumOff val="588"/>
+            <a:hueOff val="689694"/>
+            <a:satOff val="-11263"/>
+            <a:lumOff val="706"/>
             <a:alphaOff val="0"/>
           </a:schemeClr>
         </a:solidFill>
@@ -7347,12 +7274,12 @@
         </a:fontRef>
       </dsp:style>
       <dsp:txBody>
-        <a:bodyPr spcFirstLastPara="0" vert="horz" wrap="square" lIns="124822" tIns="0" rIns="124822" bIns="0" numCol="1" spcCol="1270" anchor="ctr" anchorCtr="0">
+        <a:bodyPr spcFirstLastPara="0" vert="horz" wrap="square" lIns="131622" tIns="0" rIns="131622" bIns="0" numCol="1" spcCol="1270" anchor="ctr" anchorCtr="0">
           <a:noAutofit/>
         </a:bodyPr>
         <a:lstStyle/>
         <a:p>
-          <a:pPr marL="0" lvl="0" indent="0" algn="l" defTabSz="711200">
+          <a:pPr marL="0" lvl="0" indent="0" algn="l" defTabSz="622300">
             <a:lnSpc>
               <a:spcPct val="90000"/>
             </a:lnSpc>
@@ -7365,15 +7292,15 @@
             <a:buNone/>
           </a:pPr>
           <a:r>
-            <a:rPr lang="en-US" sz="1600" b="1" kern="1200"/>
+            <a:rPr lang="en-US" sz="1400" b="1" kern="1200" dirty="0"/>
             <a:t>Investor Recommendations</a:t>
           </a:r>
-          <a:endParaRPr lang="en-US" sz="1600" kern="1200"/>
+          <a:endParaRPr lang="en-US" sz="1400" kern="1200" dirty="0"/>
         </a:p>
       </dsp:txBody>
       <dsp:txXfrm>
-        <a:off x="258940" y="2559549"/>
-        <a:ext cx="3256254" cy="426206"/>
+        <a:off x="268908" y="2959130"/>
+        <a:ext cx="3441919" cy="372930"/>
       </dsp:txXfrm>
     </dsp:sp>
     <dsp:sp modelId="{62BD4F12-721D-44C8-B957-CC968C9157D5}">
@@ -7383,8 +7310,8 @@
       </dsp:nvSpPr>
       <dsp:spPr>
         <a:xfrm>
-          <a:off x="0" y="3498412"/>
-          <a:ext cx="4717669" cy="403200"/>
+          <a:off x="0" y="3780635"/>
+          <a:ext cx="4974670" cy="352800"/>
         </a:xfrm>
         <a:prstGeom prst="rect">
           <a:avLst/>
@@ -7401,9 +7328,9 @@
         <a:ln w="12700" cap="flat" cmpd="sng" algn="ctr">
           <a:solidFill>
             <a:schemeClr val="accent2">
-              <a:hueOff val="766327"/>
-              <a:satOff val="-12515"/>
-              <a:lumOff val="784"/>
+              <a:hueOff val="919592"/>
+              <a:satOff val="-15018"/>
+              <a:lumOff val="941"/>
               <a:alphaOff val="0"/>
             </a:schemeClr>
           </a:solidFill>
@@ -7431,17 +7358,17 @@
       </dsp:nvSpPr>
       <dsp:spPr>
         <a:xfrm>
-          <a:off x="235883" y="3262252"/>
-          <a:ext cx="3302368" cy="472320"/>
+          <a:off x="248733" y="3573995"/>
+          <a:ext cx="3482269" cy="413280"/>
         </a:xfrm>
         <a:prstGeom prst="roundRect">
           <a:avLst/>
         </a:prstGeom>
         <a:solidFill>
           <a:schemeClr val="accent2">
-            <a:hueOff val="766327"/>
-            <a:satOff val="-12515"/>
-            <a:lumOff val="784"/>
+            <a:hueOff val="919592"/>
+            <a:satOff val="-15018"/>
+            <a:lumOff val="941"/>
             <a:alphaOff val="0"/>
           </a:schemeClr>
         </a:solidFill>
@@ -7473,12 +7400,12 @@
         </a:fontRef>
       </dsp:style>
       <dsp:txBody>
-        <a:bodyPr spcFirstLastPara="0" vert="horz" wrap="square" lIns="124822" tIns="0" rIns="124822" bIns="0" numCol="1" spcCol="1270" anchor="ctr" anchorCtr="0">
+        <a:bodyPr spcFirstLastPara="0" vert="horz" wrap="square" lIns="131622" tIns="0" rIns="131622" bIns="0" numCol="1" spcCol="1270" anchor="ctr" anchorCtr="0">
           <a:noAutofit/>
         </a:bodyPr>
         <a:lstStyle/>
         <a:p>
-          <a:pPr marL="0" lvl="0" indent="0" algn="l" defTabSz="711200">
+          <a:pPr marL="0" lvl="0" indent="0" algn="l" defTabSz="622300">
             <a:lnSpc>
               <a:spcPct val="90000"/>
             </a:lnSpc>
@@ -7491,141 +7418,15 @@
             <a:buNone/>
           </a:pPr>
           <a:r>
-            <a:rPr lang="en-US" sz="1600" b="1" kern="1200"/>
+            <a:rPr lang="en-US" sz="1400" b="1" kern="1200"/>
             <a:t>Fraud Detection</a:t>
           </a:r>
-          <a:endParaRPr lang="en-US" sz="1600" kern="1200"/>
+          <a:endParaRPr lang="en-US" sz="1400" kern="1200"/>
         </a:p>
       </dsp:txBody>
       <dsp:txXfrm>
-        <a:off x="258940" y="3285309"/>
-        <a:ext cx="3256254" cy="426206"/>
-      </dsp:txXfrm>
-    </dsp:sp>
-    <dsp:sp modelId="{BA3136BD-9EA1-4353-B5CA-8D2A9AE208A7}">
-      <dsp:nvSpPr>
-        <dsp:cNvPr id="0" name=""/>
-        <dsp:cNvSpPr/>
-      </dsp:nvSpPr>
-      <dsp:spPr>
-        <a:xfrm>
-          <a:off x="0" y="4224172"/>
-          <a:ext cx="4717669" cy="403200"/>
-        </a:xfrm>
-        <a:prstGeom prst="rect">
-          <a:avLst/>
-        </a:prstGeom>
-        <a:solidFill>
-          <a:schemeClr val="lt1">
-            <a:alpha val="90000"/>
-            <a:hueOff val="0"/>
-            <a:satOff val="0"/>
-            <a:lumOff val="0"/>
-            <a:alphaOff val="0"/>
-          </a:schemeClr>
-        </a:solidFill>
-        <a:ln w="12700" cap="flat" cmpd="sng" algn="ctr">
-          <a:solidFill>
-            <a:schemeClr val="accent2">
-              <a:hueOff val="957908"/>
-              <a:satOff val="-15643"/>
-              <a:lumOff val="980"/>
-              <a:alphaOff val="0"/>
-            </a:schemeClr>
-          </a:solidFill>
-          <a:prstDash val="solid"/>
-        </a:ln>
-        <a:effectLst/>
-      </dsp:spPr>
-      <dsp:style>
-        <a:lnRef idx="2">
-          <a:scrgbClr r="0" g="0" b="0"/>
-        </a:lnRef>
-        <a:fillRef idx="1">
-          <a:scrgbClr r="0" g="0" b="0"/>
-        </a:fillRef>
-        <a:effectRef idx="0">
-          <a:scrgbClr r="0" g="0" b="0"/>
-        </a:effectRef>
-        <a:fontRef idx="minor"/>
-      </dsp:style>
-    </dsp:sp>
-    <dsp:sp modelId="{0411288F-6E23-4EEC-B2A6-687D0F04B125}">
-      <dsp:nvSpPr>
-        <dsp:cNvPr id="0" name=""/>
-        <dsp:cNvSpPr/>
-      </dsp:nvSpPr>
-      <dsp:spPr>
-        <a:xfrm>
-          <a:off x="235883" y="3988012"/>
-          <a:ext cx="3302368" cy="472320"/>
-        </a:xfrm>
-        <a:prstGeom prst="roundRect">
-          <a:avLst/>
-        </a:prstGeom>
-        <a:solidFill>
-          <a:schemeClr val="accent2">
-            <a:hueOff val="957908"/>
-            <a:satOff val="-15643"/>
-            <a:lumOff val="980"/>
-            <a:alphaOff val="0"/>
-          </a:schemeClr>
-        </a:solidFill>
-        <a:ln w="12700" cap="flat" cmpd="sng" algn="ctr">
-          <a:solidFill>
-            <a:schemeClr val="lt1">
-              <a:hueOff val="0"/>
-              <a:satOff val="0"/>
-              <a:lumOff val="0"/>
-              <a:alphaOff val="0"/>
-            </a:schemeClr>
-          </a:solidFill>
-          <a:prstDash val="solid"/>
-        </a:ln>
-        <a:effectLst/>
-      </dsp:spPr>
-      <dsp:style>
-        <a:lnRef idx="2">
-          <a:scrgbClr r="0" g="0" b="0"/>
-        </a:lnRef>
-        <a:fillRef idx="1">
-          <a:scrgbClr r="0" g="0" b="0"/>
-        </a:fillRef>
-        <a:effectRef idx="0">
-          <a:scrgbClr r="0" g="0" b="0"/>
-        </a:effectRef>
-        <a:fontRef idx="minor">
-          <a:schemeClr val="lt1"/>
-        </a:fontRef>
-      </dsp:style>
-      <dsp:txBody>
-        <a:bodyPr spcFirstLastPara="0" vert="horz" wrap="square" lIns="124822" tIns="0" rIns="124822" bIns="0" numCol="1" spcCol="1270" anchor="ctr" anchorCtr="0">
-          <a:noAutofit/>
-        </a:bodyPr>
-        <a:lstStyle/>
-        <a:p>
-          <a:pPr marL="0" lvl="0" indent="0" algn="l" defTabSz="711200">
-            <a:lnSpc>
-              <a:spcPct val="90000"/>
-            </a:lnSpc>
-            <a:spcBef>
-              <a:spcPct val="0"/>
-            </a:spcBef>
-            <a:spcAft>
-              <a:spcPct val="35000"/>
-            </a:spcAft>
-            <a:buNone/>
-          </a:pPr>
-          <a:r>
-            <a:rPr lang="en-US" sz="1600" b="1" kern="1200"/>
-            <a:t>Gamification</a:t>
-          </a:r>
-          <a:endParaRPr lang="en-US" sz="1600" kern="1200"/>
-        </a:p>
-      </dsp:txBody>
-      <dsp:txXfrm>
-        <a:off x="258940" y="4011069"/>
-        <a:ext cx="3256254" cy="426206"/>
+        <a:off x="268908" y="3594170"/>
+        <a:ext cx="3441919" cy="372930"/>
       </dsp:txXfrm>
     </dsp:sp>
     <dsp:sp modelId="{5DA7A78D-B793-40A7-986C-F9E499DF6E2B}">
@@ -7635,8 +7436,8 @@
       </dsp:nvSpPr>
       <dsp:spPr>
         <a:xfrm>
-          <a:off x="0" y="4949932"/>
-          <a:ext cx="4717669" cy="403200"/>
+          <a:off x="0" y="4415675"/>
+          <a:ext cx="4974670" cy="352800"/>
         </a:xfrm>
         <a:prstGeom prst="rect">
           <a:avLst/>
@@ -7683,8 +7484,8 @@
       </dsp:nvSpPr>
       <dsp:spPr>
         <a:xfrm>
-          <a:off x="235883" y="4713772"/>
-          <a:ext cx="3302368" cy="472320"/>
+          <a:off x="248733" y="4209035"/>
+          <a:ext cx="3482269" cy="413280"/>
         </a:xfrm>
         <a:prstGeom prst="roundRect">
           <a:avLst/>
@@ -7725,12 +7526,12 @@
         </a:fontRef>
       </dsp:style>
       <dsp:txBody>
-        <a:bodyPr spcFirstLastPara="0" vert="horz" wrap="square" lIns="124822" tIns="0" rIns="124822" bIns="0" numCol="1" spcCol="1270" anchor="ctr" anchorCtr="0">
+        <a:bodyPr spcFirstLastPara="0" vert="horz" wrap="square" lIns="131622" tIns="0" rIns="131622" bIns="0" numCol="1" spcCol="1270" anchor="ctr" anchorCtr="0">
           <a:noAutofit/>
         </a:bodyPr>
         <a:lstStyle/>
         <a:p>
-          <a:pPr marL="0" lvl="0" indent="0" algn="l" defTabSz="711200">
+          <a:pPr marL="0" lvl="0" indent="0" algn="l" defTabSz="622300">
             <a:lnSpc>
               <a:spcPct val="90000"/>
             </a:lnSpc>
@@ -7743,15 +7544,15 @@
             <a:buNone/>
           </a:pPr>
           <a:r>
-            <a:rPr lang="en-US" sz="1600" b="1" kern="1200"/>
+            <a:rPr lang="en-US" sz="1400" b="1" kern="1200"/>
             <a:t>Payment Integration</a:t>
           </a:r>
-          <a:endParaRPr lang="en-US" sz="1600" kern="1200"/>
+          <a:endParaRPr lang="en-US" sz="1400" kern="1200"/>
         </a:p>
       </dsp:txBody>
       <dsp:txXfrm>
-        <a:off x="258940" y="4736829"/>
-        <a:ext cx="3256254" cy="426206"/>
+        <a:off x="268908" y="4229210"/>
+        <a:ext cx="3441919" cy="372930"/>
       </dsp:txXfrm>
     </dsp:sp>
   </dsp:spTree>
@@ -13670,7 +13471,7 @@
           <a:p>
             <a:fld id="{5BCAD085-E8A6-8845-BD4E-CB4CCA059FC4}" type="datetimeFigureOut">
               <a:rPr lang="en-US" smtClean="0"/>
-              <a:t>1/31/2025</a:t>
+              <a:t>3/11/2025</a:t>
             </a:fld>
             <a:endParaRPr lang="en-US"/>
           </a:p>
@@ -13937,7 +13738,7 @@
           <a:p>
             <a:fld id="{5BCAD085-E8A6-8845-BD4E-CB4CCA059FC4}" type="datetimeFigureOut">
               <a:rPr lang="en-US" smtClean="0"/>
-              <a:t>1/31/2025</a:t>
+              <a:t>3/11/2025</a:t>
             </a:fld>
             <a:endParaRPr lang="en-US"/>
           </a:p>
@@ -14168,7 +13969,7 @@
           <a:p>
             <a:fld id="{5BCAD085-E8A6-8845-BD4E-CB4CCA059FC4}" type="datetimeFigureOut">
               <a:rPr lang="en-US" smtClean="0"/>
-              <a:t>1/31/2025</a:t>
+              <a:t>3/11/2025</a:t>
             </a:fld>
             <a:endParaRPr lang="en-US"/>
           </a:p>
@@ -14478,7 +14279,7 @@
           <a:p>
             <a:fld id="{5BCAD085-E8A6-8845-BD4E-CB4CCA059FC4}" type="datetimeFigureOut">
               <a:rPr lang="en-US" smtClean="0"/>
-              <a:t>1/31/2025</a:t>
+              <a:t>3/11/2025</a:t>
             </a:fld>
             <a:endParaRPr lang="en-US"/>
           </a:p>
@@ -14951,7 +14752,7 @@
           <a:p>
             <a:fld id="{5BCAD085-E8A6-8845-BD4E-CB4CCA059FC4}" type="datetimeFigureOut">
               <a:rPr lang="en-US" smtClean="0"/>
-              <a:t>1/31/2025</a:t>
+              <a:t>3/11/2025</a:t>
             </a:fld>
             <a:endParaRPr lang="en-US"/>
           </a:p>
@@ -15498,7 +15299,7 @@
           <a:p>
             <a:fld id="{5BCAD085-E8A6-8845-BD4E-CB4CCA059FC4}" type="datetimeFigureOut">
               <a:rPr lang="en-US" smtClean="0"/>
-              <a:t>1/31/2025</a:t>
+              <a:t>3/11/2025</a:t>
             </a:fld>
             <a:endParaRPr lang="en-US"/>
           </a:p>
@@ -16272,7 +16073,7 @@
           <a:p>
             <a:fld id="{5BCAD085-E8A6-8845-BD4E-CB4CCA059FC4}" type="datetimeFigureOut">
               <a:rPr lang="en-US" smtClean="0"/>
-              <a:t>1/31/2025</a:t>
+              <a:t>3/11/2025</a:t>
             </a:fld>
             <a:endParaRPr lang="en-US"/>
           </a:p>
@@ -16447,7 +16248,7 @@
           <a:p>
             <a:fld id="{5BCAD085-E8A6-8845-BD4E-CB4CCA059FC4}" type="datetimeFigureOut">
               <a:rPr lang="en-US" smtClean="0"/>
-              <a:t>1/31/2025</a:t>
+              <a:t>3/11/2025</a:t>
             </a:fld>
             <a:endParaRPr lang="en-US"/>
           </a:p>
@@ -16670,7 +16471,7 @@
           <a:p>
             <a:fld id="{5BCAD085-E8A6-8845-BD4E-CB4CCA059FC4}" type="datetimeFigureOut">
               <a:rPr lang="en-US" smtClean="0"/>
-              <a:t>1/31/2025</a:t>
+              <a:t>3/11/2025</a:t>
             </a:fld>
             <a:endParaRPr lang="en-US"/>
           </a:p>
@@ -16850,7 +16651,7 @@
           <a:p>
             <a:fld id="{5BCAD085-E8A6-8845-BD4E-CB4CCA059FC4}" type="datetimeFigureOut">
               <a:rPr lang="en-US" smtClean="0"/>
-              <a:t>1/31/2025</a:t>
+              <a:t>3/11/2025</a:t>
             </a:fld>
             <a:endParaRPr lang="en-US"/>
           </a:p>
@@ -17139,7 +16940,7 @@
           <a:p>
             <a:fld id="{5BCAD085-E8A6-8845-BD4E-CB4CCA059FC4}" type="datetimeFigureOut">
               <a:rPr lang="en-US" smtClean="0"/>
-              <a:t>1/31/2025</a:t>
+              <a:t>3/11/2025</a:t>
             </a:fld>
             <a:endParaRPr lang="en-US"/>
           </a:p>
@@ -17381,7 +17182,7 @@
           <a:p>
             <a:fld id="{5BCAD085-E8A6-8845-BD4E-CB4CCA059FC4}" type="datetimeFigureOut">
               <a:rPr lang="en-US" smtClean="0"/>
-              <a:t>1/31/2025</a:t>
+              <a:t>3/11/2025</a:t>
             </a:fld>
             <a:endParaRPr lang="en-US"/>
           </a:p>
@@ -17760,7 +17561,7 @@
           <a:p>
             <a:fld id="{5BCAD085-E8A6-8845-BD4E-CB4CCA059FC4}" type="datetimeFigureOut">
               <a:rPr lang="en-US" smtClean="0"/>
-              <a:t>1/31/2025</a:t>
+              <a:t>3/11/2025</a:t>
             </a:fld>
             <a:endParaRPr lang="en-US"/>
           </a:p>
@@ -17878,7 +17679,7 @@
           <a:p>
             <a:fld id="{5BCAD085-E8A6-8845-BD4E-CB4CCA059FC4}" type="datetimeFigureOut">
               <a:rPr lang="en-US" smtClean="0"/>
-              <a:t>1/31/2025</a:t>
+              <a:t>3/11/2025</a:t>
             </a:fld>
             <a:endParaRPr lang="en-US"/>
           </a:p>
@@ -17973,7 +17774,7 @@
           <a:p>
             <a:fld id="{5BCAD085-E8A6-8845-BD4E-CB4CCA059FC4}" type="datetimeFigureOut">
               <a:rPr lang="en-US" smtClean="0"/>
-              <a:t>1/31/2025</a:t>
+              <a:t>3/11/2025</a:t>
             </a:fld>
             <a:endParaRPr lang="en-US"/>
           </a:p>
@@ -18222,7 +18023,7 @@
           <a:p>
             <a:fld id="{5BCAD085-E8A6-8845-BD4E-CB4CCA059FC4}" type="datetimeFigureOut">
               <a:rPr lang="en-US" smtClean="0"/>
-              <a:t>1/31/2025</a:t>
+              <a:t>3/11/2025</a:t>
             </a:fld>
             <a:endParaRPr lang="en-US"/>
           </a:p>
@@ -18479,7 +18280,7 @@
           <a:p>
             <a:fld id="{5BCAD085-E8A6-8845-BD4E-CB4CCA059FC4}" type="datetimeFigureOut">
               <a:rPr lang="en-US" smtClean="0"/>
-              <a:t>1/31/2025</a:t>
+              <a:t>3/11/2025</a:t>
             </a:fld>
             <a:endParaRPr lang="en-US"/>
           </a:p>
@@ -18722,7 +18523,7 @@
           <a:p>
             <a:fld id="{5BCAD085-E8A6-8845-BD4E-CB4CCA059FC4}" type="datetimeFigureOut">
               <a:rPr lang="en-US" smtClean="0"/>
-              <a:t>1/31/2025</a:t>
+              <a:t>3/11/2025</a:t>
             </a:fld>
             <a:endParaRPr lang="en-US"/>
           </a:p>
@@ -19549,6 +19350,1024 @@
       <p:bldP spid="3" grpId="0" build="p"/>
     </p:bldLst>
   </p:timing>
+</p:sld>
+</file>
+
+<file path=ppt/slides/slide10.xml><?xml version="1.0" encoding="utf-8"?>
+<p:sld xmlns:a="http://schemas.openxmlformats.org/drawingml/2006/main" xmlns:r="http://schemas.openxmlformats.org/officeDocument/2006/relationships" xmlns:p="http://schemas.openxmlformats.org/presentationml/2006/main">
+  <p:cSld>
+    <p:spTree>
+      <p:nvGrpSpPr>
+        <p:cNvPr id="1" name=""/>
+        <p:cNvGrpSpPr/>
+        <p:nvPr/>
+      </p:nvGrpSpPr>
+      <p:grpSpPr>
+        <a:xfrm>
+          <a:off x="0" y="0"/>
+          <a:ext cx="0" cy="0"/>
+          <a:chOff x="0" y="0"/>
+          <a:chExt cx="0" cy="0"/>
+        </a:xfrm>
+      </p:grpSpPr>
+      <p:pic>
+        <p:nvPicPr>
+          <p:cNvPr id="3" name="Picture 2" descr="A screenshot of a computer screen&#10;&#10;AI-generated content may be incorrect.">
+            <a:extLst>
+              <a:ext uri="{FF2B5EF4-FFF2-40B4-BE49-F238E27FC236}">
+                <a16:creationId xmlns:a16="http://schemas.microsoft.com/office/drawing/2014/main" id="{D6D453C9-B00C-4D53-7066-018736182DFD}"/>
+              </a:ext>
+            </a:extLst>
+          </p:cNvPr>
+          <p:cNvPicPr>
+            <a:picLocks noChangeAspect="1"/>
+          </p:cNvPicPr>
+          <p:nvPr/>
+        </p:nvPicPr>
+        <p:blipFill>
+          <a:blip r:embed="rId2"/>
+          <a:stretch>
+            <a:fillRect/>
+          </a:stretch>
+        </p:blipFill>
+        <p:spPr>
+          <a:xfrm>
+            <a:off x="0" y="0"/>
+            <a:ext cx="6442745" cy="3624045"/>
+          </a:xfrm>
+          <a:prstGeom prst="rect">
+            <a:avLst/>
+          </a:prstGeom>
+        </p:spPr>
+      </p:pic>
+      <p:pic>
+        <p:nvPicPr>
+          <p:cNvPr id="5" name="Picture 4" descr="A screenshot of a computer&#10;&#10;AI-generated content may be incorrect.">
+            <a:extLst>
+              <a:ext uri="{FF2B5EF4-FFF2-40B4-BE49-F238E27FC236}">
+                <a16:creationId xmlns:a16="http://schemas.microsoft.com/office/drawing/2014/main" id="{03D2B2AA-288B-3866-F99D-9E185B59F250}"/>
+              </a:ext>
+            </a:extLst>
+          </p:cNvPr>
+          <p:cNvPicPr>
+            <a:picLocks noChangeAspect="1"/>
+          </p:cNvPicPr>
+          <p:nvPr/>
+        </p:nvPicPr>
+        <p:blipFill>
+          <a:blip r:embed="rId3"/>
+          <a:stretch>
+            <a:fillRect/>
+          </a:stretch>
+        </p:blipFill>
+        <p:spPr>
+          <a:xfrm>
+            <a:off x="2893199" y="3360322"/>
+            <a:ext cx="6177176" cy="3474662"/>
+          </a:xfrm>
+          <a:prstGeom prst="rect">
+            <a:avLst/>
+          </a:prstGeom>
+        </p:spPr>
+      </p:pic>
+    </p:spTree>
+    <p:extLst>
+      <p:ext uri="{BB962C8B-B14F-4D97-AF65-F5344CB8AC3E}">
+        <p14:creationId xmlns:p14="http://schemas.microsoft.com/office/powerpoint/2010/main" val="1391017700"/>
+      </p:ext>
+    </p:extLst>
+  </p:cSld>
+  <p:clrMapOvr>
+    <a:masterClrMapping/>
+  </p:clrMapOvr>
+</p:sld>
+</file>
+
+<file path=ppt/slides/slide11.xml><?xml version="1.0" encoding="utf-8"?>
+<p:sld xmlns:a="http://schemas.openxmlformats.org/drawingml/2006/main" xmlns:r="http://schemas.openxmlformats.org/officeDocument/2006/relationships" xmlns:p="http://schemas.openxmlformats.org/presentationml/2006/main">
+  <p:cSld>
+    <p:spTree>
+      <p:nvGrpSpPr>
+        <p:cNvPr id="1" name=""/>
+        <p:cNvGrpSpPr/>
+        <p:nvPr/>
+      </p:nvGrpSpPr>
+      <p:grpSpPr>
+        <a:xfrm>
+          <a:off x="0" y="0"/>
+          <a:ext cx="0" cy="0"/>
+          <a:chOff x="0" y="0"/>
+          <a:chExt cx="0" cy="0"/>
+        </a:xfrm>
+      </p:grpSpPr>
+      <p:pic>
+        <p:nvPicPr>
+          <p:cNvPr id="7" name="Picture 6" descr="A screenshot of a computer&#10;&#10;AI-generated content may be incorrect.">
+            <a:extLst>
+              <a:ext uri="{FF2B5EF4-FFF2-40B4-BE49-F238E27FC236}">
+                <a16:creationId xmlns:a16="http://schemas.microsoft.com/office/drawing/2014/main" id="{550EF48D-5122-F639-AA40-B34293F70810}"/>
+              </a:ext>
+            </a:extLst>
+          </p:cNvPr>
+          <p:cNvPicPr>
+            <a:picLocks noChangeAspect="1"/>
+          </p:cNvPicPr>
+          <p:nvPr/>
+        </p:nvPicPr>
+        <p:blipFill>
+          <a:blip r:embed="rId2"/>
+          <a:stretch>
+            <a:fillRect/>
+          </a:stretch>
+        </p:blipFill>
+        <p:spPr>
+          <a:xfrm>
+            <a:off x="0" y="0"/>
+            <a:ext cx="5832701" cy="3280894"/>
+          </a:xfrm>
+          <a:prstGeom prst="rect">
+            <a:avLst/>
+          </a:prstGeom>
+        </p:spPr>
+      </p:pic>
+      <p:pic>
+        <p:nvPicPr>
+          <p:cNvPr id="9" name="Picture 8" descr="A screenshot of a computer&#10;&#10;AI-generated content may be incorrect.">
+            <a:extLst>
+              <a:ext uri="{FF2B5EF4-FFF2-40B4-BE49-F238E27FC236}">
+                <a16:creationId xmlns:a16="http://schemas.microsoft.com/office/drawing/2014/main" id="{283E7778-5F5B-FC36-B0E0-7BC3D46C5091}"/>
+              </a:ext>
+            </a:extLst>
+          </p:cNvPr>
+          <p:cNvPicPr>
+            <a:picLocks noChangeAspect="1"/>
+          </p:cNvPicPr>
+          <p:nvPr/>
+        </p:nvPicPr>
+        <p:blipFill>
+          <a:blip r:embed="rId3"/>
+          <a:stretch>
+            <a:fillRect/>
+          </a:stretch>
+        </p:blipFill>
+        <p:spPr>
+          <a:xfrm>
+            <a:off x="2623808" y="3120705"/>
+            <a:ext cx="6520191" cy="3667607"/>
+          </a:xfrm>
+          <a:prstGeom prst="rect">
+            <a:avLst/>
+          </a:prstGeom>
+        </p:spPr>
+      </p:pic>
+    </p:spTree>
+    <p:extLst>
+      <p:ext uri="{BB962C8B-B14F-4D97-AF65-F5344CB8AC3E}">
+        <p14:creationId xmlns:p14="http://schemas.microsoft.com/office/powerpoint/2010/main" val="2079691761"/>
+      </p:ext>
+    </p:extLst>
+  </p:cSld>
+  <p:clrMapOvr>
+    <a:masterClrMapping/>
+  </p:clrMapOvr>
+</p:sld>
+</file>
+
+<file path=ppt/slides/slide12.xml><?xml version="1.0" encoding="utf-8"?>
+<p:sld xmlns:a="http://schemas.openxmlformats.org/drawingml/2006/main" xmlns:r="http://schemas.openxmlformats.org/officeDocument/2006/relationships" xmlns:p="http://schemas.openxmlformats.org/presentationml/2006/main">
+  <p:cSld>
+    <p:spTree>
+      <p:nvGrpSpPr>
+        <p:cNvPr id="1" name=""/>
+        <p:cNvGrpSpPr/>
+        <p:nvPr/>
+      </p:nvGrpSpPr>
+      <p:grpSpPr>
+        <a:xfrm>
+          <a:off x="0" y="0"/>
+          <a:ext cx="0" cy="0"/>
+          <a:chOff x="0" y="0"/>
+          <a:chExt cx="0" cy="0"/>
+        </a:xfrm>
+      </p:grpSpPr>
+      <p:pic>
+        <p:nvPicPr>
+          <p:cNvPr id="3" name="Picture 2" descr="A screenshot of a computer&#10;&#10;AI-generated content may be incorrect.">
+            <a:extLst>
+              <a:ext uri="{FF2B5EF4-FFF2-40B4-BE49-F238E27FC236}">
+                <a16:creationId xmlns:a16="http://schemas.microsoft.com/office/drawing/2014/main" id="{EB576401-7C02-7B14-5799-666F9A08C560}"/>
+              </a:ext>
+            </a:extLst>
+          </p:cNvPr>
+          <p:cNvPicPr>
+            <a:picLocks noChangeAspect="1"/>
+          </p:cNvPicPr>
+          <p:nvPr/>
+        </p:nvPicPr>
+        <p:blipFill>
+          <a:blip r:embed="rId2"/>
+          <a:stretch>
+            <a:fillRect/>
+          </a:stretch>
+        </p:blipFill>
+        <p:spPr>
+          <a:xfrm>
+            <a:off x="0" y="0"/>
+            <a:ext cx="6715854" cy="3777668"/>
+          </a:xfrm>
+          <a:prstGeom prst="rect">
+            <a:avLst/>
+          </a:prstGeom>
+        </p:spPr>
+      </p:pic>
+      <p:pic>
+        <p:nvPicPr>
+          <p:cNvPr id="5" name="Picture 4" descr="A screenshot of a computer&#10;&#10;AI-generated content may be incorrect.">
+            <a:extLst>
+              <a:ext uri="{FF2B5EF4-FFF2-40B4-BE49-F238E27FC236}">
+                <a16:creationId xmlns:a16="http://schemas.microsoft.com/office/drawing/2014/main" id="{B9EF9ABC-6C8C-7E34-991F-A37C29E4DA84}"/>
+              </a:ext>
+            </a:extLst>
+          </p:cNvPr>
+          <p:cNvPicPr>
+            <a:picLocks noChangeAspect="1"/>
+          </p:cNvPicPr>
+          <p:nvPr/>
+        </p:nvPicPr>
+        <p:blipFill>
+          <a:blip r:embed="rId3"/>
+          <a:stretch>
+            <a:fillRect/>
+          </a:stretch>
+        </p:blipFill>
+        <p:spPr>
+          <a:xfrm>
+            <a:off x="2869035" y="3328332"/>
+            <a:ext cx="6274965" cy="3529668"/>
+          </a:xfrm>
+          <a:prstGeom prst="rect">
+            <a:avLst/>
+          </a:prstGeom>
+        </p:spPr>
+      </p:pic>
+    </p:spTree>
+    <p:extLst>
+      <p:ext uri="{BB962C8B-B14F-4D97-AF65-F5344CB8AC3E}">
+        <p14:creationId xmlns:p14="http://schemas.microsoft.com/office/powerpoint/2010/main" val="2146495205"/>
+      </p:ext>
+    </p:extLst>
+  </p:cSld>
+  <p:clrMapOvr>
+    <a:masterClrMapping/>
+  </p:clrMapOvr>
+</p:sld>
+</file>
+
+<file path=ppt/slides/slide13.xml><?xml version="1.0" encoding="utf-8"?>
+<p:sld xmlns:a="http://schemas.openxmlformats.org/drawingml/2006/main" xmlns:r="http://schemas.openxmlformats.org/officeDocument/2006/relationships" xmlns:p="http://schemas.openxmlformats.org/presentationml/2006/main">
+  <p:cSld>
+    <p:spTree>
+      <p:nvGrpSpPr>
+        <p:cNvPr id="1" name=""/>
+        <p:cNvGrpSpPr/>
+        <p:nvPr/>
+      </p:nvGrpSpPr>
+      <p:grpSpPr>
+        <a:xfrm>
+          <a:off x="0" y="0"/>
+          <a:ext cx="0" cy="0"/>
+          <a:chOff x="0" y="0"/>
+          <a:chExt cx="0" cy="0"/>
+        </a:xfrm>
+      </p:grpSpPr>
+      <p:sp>
+        <p:nvSpPr>
+          <p:cNvPr id="2" name="Title 1">
+            <a:extLst>
+              <a:ext uri="{FF2B5EF4-FFF2-40B4-BE49-F238E27FC236}">
+                <a16:creationId xmlns:a16="http://schemas.microsoft.com/office/drawing/2014/main" id="{15A49321-40A2-B3DF-C075-DE85E32823F6}"/>
+              </a:ext>
+            </a:extLst>
+          </p:cNvPr>
+          <p:cNvSpPr>
+            <a:spLocks noGrp="1"/>
+          </p:cNvSpPr>
+          <p:nvPr>
+            <p:ph type="title"/>
+          </p:nvPr>
+        </p:nvSpPr>
+        <p:spPr>
+          <a:xfrm>
+            <a:off x="1383030" y="790515"/>
+            <a:ext cx="6377940" cy="1293028"/>
+          </a:xfrm>
+        </p:spPr>
+        <p:txBody>
+          <a:bodyPr/>
+          <a:lstStyle/>
+          <a:p>
+            <a:pPr algn="ctr"/>
+            <a:r>
+              <a:rPr lang="en-US" b="1" dirty="0"/>
+              <a:t>REFERENCES</a:t>
+            </a:r>
+            <a:endParaRPr lang="en-IN" b="1" dirty="0"/>
+          </a:p>
+        </p:txBody>
+      </p:sp>
+      <p:sp>
+        <p:nvSpPr>
+          <p:cNvPr id="11" name="TextBox 10">
+            <a:extLst>
+              <a:ext uri="{FF2B5EF4-FFF2-40B4-BE49-F238E27FC236}">
+                <a16:creationId xmlns:a16="http://schemas.microsoft.com/office/drawing/2014/main" id="{FD9840D9-3D23-D322-56B7-DD8545C4B815}"/>
+              </a:ext>
+            </a:extLst>
+          </p:cNvPr>
+          <p:cNvSpPr txBox="1"/>
+          <p:nvPr/>
+        </p:nvSpPr>
+        <p:spPr>
+          <a:xfrm>
+            <a:off x="312490" y="1999382"/>
+            <a:ext cx="8519020" cy="4524315"/>
+          </a:xfrm>
+          <a:prstGeom prst="rect">
+            <a:avLst/>
+          </a:prstGeom>
+          <a:noFill/>
+        </p:spPr>
+        <p:txBody>
+          <a:bodyPr wrap="square">
+            <a:spAutoFit/>
+          </a:bodyPr>
+          <a:lstStyle/>
+          <a:p>
+            <a:pPr marL="285750" indent="-285750">
+              <a:buFont typeface="Arial" panose="020B0604020202020204" pitchFamily="34" charset="0"/>
+              <a:buChar char="•"/>
+            </a:pPr>
+            <a:r>
+              <a:rPr lang="en-US" b="0" i="0" dirty="0" err="1">
+                <a:solidFill>
+                  <a:srgbClr val="F8FAFF"/>
+                </a:solidFill>
+                <a:effectLst/>
+                <a:latin typeface="Inter"/>
+              </a:rPr>
+              <a:t>Mollick</a:t>
+            </a:r>
+            <a:r>
+              <a:rPr lang="en-US" b="0" i="0" dirty="0">
+                <a:solidFill>
+                  <a:srgbClr val="F8FAFF"/>
+                </a:solidFill>
+                <a:effectLst/>
+                <a:latin typeface="Inter"/>
+              </a:rPr>
+              <a:t>, E. (2014). "</a:t>
+            </a:r>
+            <a:r>
+              <a:rPr lang="en-US" b="0" i="0" dirty="0">
+                <a:solidFill>
+                  <a:srgbClr val="F8FAFF"/>
+                </a:solidFill>
+                <a:effectLst/>
+              </a:rPr>
+              <a:t>The</a:t>
+            </a:r>
+            <a:r>
+              <a:rPr lang="en-US" b="0" i="0" dirty="0">
+                <a:solidFill>
+                  <a:srgbClr val="F8FAFF"/>
+                </a:solidFill>
+                <a:effectLst/>
+                <a:latin typeface="Inter"/>
+              </a:rPr>
+              <a:t> Dynamics of Crowdfunding: An Exploratory Study.</a:t>
+            </a:r>
+          </a:p>
+          <a:p>
+            <a:pPr marL="742950" lvl="1" indent="-285750">
+              <a:buFont typeface="Arial" panose="020B0604020202020204" pitchFamily="34" charset="0"/>
+              <a:buChar char="•"/>
+            </a:pPr>
+            <a:r>
+              <a:rPr lang="en-US" b="0" i="0" dirty="0">
+                <a:solidFill>
+                  <a:srgbClr val="F8FAFF"/>
+                </a:solidFill>
+                <a:effectLst/>
+                <a:latin typeface="Inter"/>
+              </a:rPr>
+              <a:t> </a:t>
+            </a:r>
+            <a:r>
+              <a:rPr lang="en-US" b="0" i="1" dirty="0">
+                <a:solidFill>
+                  <a:srgbClr val="F8FAFF"/>
+                </a:solidFill>
+                <a:effectLst/>
+                <a:latin typeface="Inter"/>
+              </a:rPr>
+              <a:t> Journal of Business Venturing</a:t>
+            </a:r>
+            <a:r>
+              <a:rPr lang="en-US" b="0" i="0" dirty="0">
+                <a:solidFill>
+                  <a:srgbClr val="F8FAFF"/>
+                </a:solidFill>
+                <a:effectLst/>
+                <a:latin typeface="Inter"/>
+              </a:rPr>
+              <a:t>, 29(1), 1-16.</a:t>
+            </a:r>
+            <a:br>
+              <a:rPr lang="en-US" b="0" i="0" dirty="0">
+                <a:solidFill>
+                  <a:srgbClr val="F8FAFF"/>
+                </a:solidFill>
+                <a:effectLst/>
+                <a:latin typeface="Inter"/>
+              </a:rPr>
+            </a:br>
+            <a:endParaRPr lang="en-US" b="0" i="0" dirty="0">
+              <a:solidFill>
+                <a:srgbClr val="F8FAFF"/>
+              </a:solidFill>
+              <a:effectLst/>
+              <a:latin typeface="Inter"/>
+            </a:endParaRPr>
+          </a:p>
+          <a:p>
+            <a:pPr marL="285750" indent="-285750">
+              <a:buFont typeface="Arial" panose="020B0604020202020204" pitchFamily="34" charset="0"/>
+              <a:buChar char="•"/>
+            </a:pPr>
+            <a:r>
+              <a:rPr lang="en-US" dirty="0"/>
+              <a:t>Crowdfunding Project Success Prediction Using Machine Learning Approaches</a:t>
+            </a:r>
+            <a:r>
+              <a:rPr lang="en-US" b="1" dirty="0"/>
+              <a:t>“ 		</a:t>
+            </a:r>
+          </a:p>
+          <a:p>
+            <a:pPr marL="742950" lvl="1" indent="-285750">
+              <a:buFont typeface="Arial" panose="020B0604020202020204" pitchFamily="34" charset="0"/>
+              <a:buChar char="•"/>
+            </a:pPr>
+            <a:r>
+              <a:rPr lang="en-US" dirty="0"/>
+              <a:t>Li, Y., Rakesh, V., &amp; Reddy, C. K. (2016). Proceedings of the 9th ACM International Conference on Web Search and Data Mining, 247-256.</a:t>
+            </a:r>
+          </a:p>
+          <a:p>
+            <a:pPr marL="742950" lvl="1" indent="-285750">
+              <a:buFont typeface="Arial" panose="020B0604020202020204" pitchFamily="34" charset="0"/>
+              <a:buChar char="•"/>
+            </a:pPr>
+            <a:endParaRPr lang="en-US" dirty="0"/>
+          </a:p>
+          <a:p>
+            <a:pPr marL="285750" indent="-285750">
+              <a:buFont typeface="Arial" panose="020B0604020202020204" pitchFamily="34" charset="0"/>
+              <a:buChar char="•"/>
+            </a:pPr>
+            <a:r>
+              <a:rPr lang="en-US" dirty="0"/>
+              <a:t>"Predicting the Success of Kickstarter Campaigns: A Machine Learning Approach“</a:t>
+            </a:r>
+          </a:p>
+          <a:p>
+            <a:pPr marL="742950" lvl="1" indent="-285750">
+              <a:buFont typeface="Arial" panose="020B0604020202020204" pitchFamily="34" charset="0"/>
+              <a:buChar char="•"/>
+            </a:pPr>
+            <a:r>
+              <a:rPr lang="en-US" dirty="0"/>
+              <a:t>Greenberg, M. D., Hui, J. S., &amp; Gerber, E. M. (2013). Proceedings of the 2013 Conference on Computer Supported Cooperative Work, 885-888.</a:t>
+            </a:r>
+          </a:p>
+          <a:p>
+            <a:pPr lvl="2"/>
+            <a:endParaRPr lang="en-US" dirty="0"/>
+          </a:p>
+          <a:p>
+            <a:pPr marL="285750" indent="-285750">
+              <a:buFont typeface="Arial" panose="020B0604020202020204" pitchFamily="34" charset="0"/>
+              <a:buChar char="•"/>
+            </a:pPr>
+            <a:endParaRPr lang="en-US" b="0" i="0" dirty="0">
+              <a:solidFill>
+                <a:srgbClr val="F8FAFF"/>
+              </a:solidFill>
+              <a:effectLst/>
+              <a:latin typeface="Inter"/>
+            </a:endParaRPr>
+          </a:p>
+          <a:p>
+            <a:pPr marL="285750" indent="-285750">
+              <a:buFont typeface="Arial" panose="020B0604020202020204" pitchFamily="34" charset="0"/>
+              <a:buChar char="•"/>
+            </a:pPr>
+            <a:endParaRPr lang="en-US" b="0" i="0" dirty="0">
+              <a:solidFill>
+                <a:srgbClr val="F8FAFF"/>
+              </a:solidFill>
+              <a:effectLst/>
+              <a:latin typeface="Inter"/>
+            </a:endParaRPr>
+          </a:p>
+        </p:txBody>
+      </p:sp>
+    </p:spTree>
+    <p:extLst>
+      <p:ext uri="{BB962C8B-B14F-4D97-AF65-F5344CB8AC3E}">
+        <p14:creationId xmlns:p14="http://schemas.microsoft.com/office/powerpoint/2010/main" val="3835525460"/>
+      </p:ext>
+    </p:extLst>
+  </p:cSld>
+  <p:clrMapOvr>
+    <a:masterClrMapping/>
+  </p:clrMapOvr>
+</p:sld>
+</file>
+
+<file path=ppt/slides/slide14.xml><?xml version="1.0" encoding="utf-8"?>
+<p:sld xmlns:a="http://schemas.openxmlformats.org/drawingml/2006/main" xmlns:r="http://schemas.openxmlformats.org/officeDocument/2006/relationships" xmlns:p="http://schemas.openxmlformats.org/presentationml/2006/main">
+  <p:cSld>
+    <p:bg>
+      <p:bgPr>
+        <a:solidFill>
+          <a:schemeClr val="bg1"/>
+        </a:solidFill>
+        <a:effectLst/>
+      </p:bgPr>
+    </p:bg>
+    <p:spTree>
+      <p:nvGrpSpPr>
+        <p:cNvPr id="1" name=""/>
+        <p:cNvGrpSpPr/>
+        <p:nvPr/>
+      </p:nvGrpSpPr>
+      <p:grpSpPr>
+        <a:xfrm>
+          <a:off x="0" y="0"/>
+          <a:ext cx="0" cy="0"/>
+          <a:chOff x="0" y="0"/>
+          <a:chExt cx="0" cy="0"/>
+        </a:xfrm>
+      </p:grpSpPr>
+      <p:sp>
+        <p:nvSpPr>
+          <p:cNvPr id="2" name="Title 1"/>
+          <p:cNvSpPr>
+            <a:spLocks noGrp="1"/>
+          </p:cNvSpPr>
+          <p:nvPr>
+            <p:ph type="title"/>
+          </p:nvPr>
+        </p:nvSpPr>
+        <p:spPr>
+          <a:xfrm>
+            <a:off x="2009775" y="1155179"/>
+            <a:ext cx="5124450" cy="1293028"/>
+          </a:xfrm>
+        </p:spPr>
+        <p:txBody>
+          <a:bodyPr>
+            <a:normAutofit/>
+          </a:bodyPr>
+          <a:lstStyle/>
+          <a:p>
+            <a:pPr algn="ctr"/>
+            <a:r>
+              <a:rPr lang="en-IN" b="1" dirty="0"/>
+              <a:t>Conclusion</a:t>
+            </a:r>
+          </a:p>
+        </p:txBody>
+      </p:sp>
+      <p:pic>
+        <p:nvPicPr>
+          <p:cNvPr id="5" name="Picture 4" descr="A person falling off a step of stairs&#10;&#10;Description automatically generated">
+            <a:extLst>
+              <a:ext uri="{FF2B5EF4-FFF2-40B4-BE49-F238E27FC236}">
+                <a16:creationId xmlns:a16="http://schemas.microsoft.com/office/drawing/2014/main" id="{B4D86B16-2BE1-2C38-B495-CF1FBD071827}"/>
+              </a:ext>
+            </a:extLst>
+          </p:cNvPr>
+          <p:cNvPicPr>
+            <a:picLocks noChangeAspect="1"/>
+          </p:cNvPicPr>
+          <p:nvPr/>
+        </p:nvPicPr>
+        <p:blipFill>
+          <a:blip r:embed="rId2"/>
+          <a:srcRect b="8592"/>
+          <a:stretch/>
+        </p:blipFill>
+        <p:spPr>
+          <a:xfrm>
+            <a:off x="207866" y="2643609"/>
+            <a:ext cx="3297334" cy="2343405"/>
+          </a:xfrm>
+          <a:prstGeom prst="rect">
+            <a:avLst/>
+          </a:prstGeom>
+        </p:spPr>
+      </p:pic>
+      <p:sp>
+        <p:nvSpPr>
+          <p:cNvPr id="3" name="Content Placeholder 2"/>
+          <p:cNvSpPr>
+            <a:spLocks noGrp="1"/>
+          </p:cNvSpPr>
+          <p:nvPr>
+            <p:ph idx="1"/>
+          </p:nvPr>
+        </p:nvSpPr>
+        <p:spPr>
+          <a:xfrm>
+            <a:off x="3505200" y="2643609"/>
+            <a:ext cx="5504575" cy="2473672"/>
+          </a:xfrm>
+        </p:spPr>
+        <p:txBody>
+          <a:bodyPr>
+            <a:normAutofit fontScale="92500" lnSpcReduction="20000"/>
+          </a:bodyPr>
+          <a:lstStyle/>
+          <a:p>
+            <a:pPr algn="just">
+              <a:lnSpc>
+                <a:spcPct val="150000"/>
+              </a:lnSpc>
+            </a:pPr>
+            <a:r>
+              <a:rPr lang="en-US" dirty="0" err="1">
+                <a:latin typeface="Calibri" panose="020F0502020204030204" pitchFamily="34" charset="0"/>
+                <a:ea typeface="Calibri" panose="020F0502020204030204" pitchFamily="34" charset="0"/>
+                <a:cs typeface="Calibri" panose="020F0502020204030204" pitchFamily="34" charset="0"/>
+              </a:rPr>
+              <a:t>FundWise</a:t>
+            </a:r>
+            <a:r>
+              <a:rPr lang="en-US" dirty="0">
+                <a:latin typeface="Calibri" panose="020F0502020204030204" pitchFamily="34" charset="0"/>
+                <a:ea typeface="Calibri" panose="020F0502020204030204" pitchFamily="34" charset="0"/>
+                <a:cs typeface="Calibri" panose="020F0502020204030204" pitchFamily="34" charset="0"/>
+              </a:rPr>
+              <a:t> aims to revolutionize crowdfunding by leveraging advanced technologies to maximize project success, enhance investor satisfaction, and ensure a secure platform. Future plans include model optimization and platform scalability testing.</a:t>
+            </a:r>
+          </a:p>
+        </p:txBody>
+      </p:sp>
+    </p:spTree>
+  </p:cSld>
+  <p:clrMapOvr>
+    <a:masterClrMapping/>
+  </p:clrMapOvr>
+  <mc:AlternateContent xmlns:mc="http://schemas.openxmlformats.org/markup-compatibility/2006" xmlns:p159="http://schemas.microsoft.com/office/powerpoint/2015/09/main">
+    <mc:Choice Requires="p159">
+      <p:transition xmlns:p14="http://schemas.microsoft.com/office/powerpoint/2010/main" spd="slow" p14:dur="2000">
+        <p159:morph option="byObject"/>
+      </p:transition>
+    </mc:Choice>
+    <mc:Fallback xmlns="">
+      <p:transition spd="slow">
+        <p:fade/>
+      </p:transition>
+    </mc:Fallback>
+  </mc:AlternateContent>
+</p:sld>
+</file>
+
+<file path=ppt/slides/slide15.xml><?xml version="1.0" encoding="utf-8"?>
+<p:sld xmlns:a="http://schemas.openxmlformats.org/drawingml/2006/main" xmlns:r="http://schemas.openxmlformats.org/officeDocument/2006/relationships" xmlns:p="http://schemas.openxmlformats.org/presentationml/2006/main">
+  <p:cSld>
+    <p:bg>
+      <p:bgPr>
+        <a:solidFill>
+          <a:schemeClr val="bg1"/>
+        </a:solidFill>
+        <a:effectLst/>
+      </p:bgPr>
+    </p:bg>
+    <p:spTree>
+      <p:nvGrpSpPr>
+        <p:cNvPr id="1" name=""/>
+        <p:cNvGrpSpPr/>
+        <p:nvPr/>
+      </p:nvGrpSpPr>
+      <p:grpSpPr>
+        <a:xfrm>
+          <a:off x="0" y="0"/>
+          <a:ext cx="0" cy="0"/>
+          <a:chOff x="0" y="0"/>
+          <a:chExt cx="0" cy="0"/>
+        </a:xfrm>
+      </p:grpSpPr>
+      <p:pic>
+        <p:nvPicPr>
+          <p:cNvPr id="24" name="Picture 23">
+            <a:extLst>
+              <a:ext uri="{FF2B5EF4-FFF2-40B4-BE49-F238E27FC236}">
+                <a16:creationId xmlns:a16="http://schemas.microsoft.com/office/drawing/2014/main" id="{1FBDED38-E809-47DF-A501-94A1EC4CF7BB}"/>
+              </a:ext>
+              <a:ext uri="{C183D7F6-B498-43B3-948B-1728B52AA6E4}">
+                <adec:decorative xmlns:adec="http://schemas.microsoft.com/office/drawing/2017/decorative" val="1"/>
+              </a:ext>
+            </a:extLst>
+          </p:cNvPr>
+          <p:cNvPicPr>
+            <a:picLocks noGrp="1" noRot="1" noChangeAspect="1" noMove="1" noResize="1" noEditPoints="1" noAdjustHandles="1" noChangeArrowheads="1" noChangeShapeType="1" noCrop="1"/>
+          </p:cNvPicPr>
+          <p:nvPr>
+            <p:extLst>
+              <p:ext uri="{386F3935-93C4-4BCD-93E2-E3B085C9AB24}">
+                <p16:designElem xmlns:p16="http://schemas.microsoft.com/office/powerpoint/2015/main" val="1"/>
+              </p:ext>
+            </p:extLst>
+          </p:nvPr>
+        </p:nvPicPr>
+        <p:blipFill>
+          <a:blip r:embed="rId2">
+            <a:extLst>
+              <a:ext uri="{28A0092B-C50C-407E-A947-70E740481C1C}">
+                <a14:useLocalDpi xmlns:a14="http://schemas.microsoft.com/office/drawing/2010/main" val="0"/>
+              </a:ext>
+            </a:extLst>
+          </a:blip>
+          <a:stretch>
+            <a:fillRect/>
+          </a:stretch>
+        </p:blipFill>
+        <p:spPr>
+          <a:xfrm>
+            <a:off x="0" y="0"/>
+            <a:ext cx="9144000" cy="1441450"/>
+          </a:xfrm>
+          <a:prstGeom prst="rect">
+            <a:avLst/>
+          </a:prstGeom>
+        </p:spPr>
+      </p:pic>
+      <p:sp useBgFill="1">
+        <p:nvSpPr>
+          <p:cNvPr id="34" name="Rectangle 33">
+            <a:extLst>
+              <a:ext uri="{FF2B5EF4-FFF2-40B4-BE49-F238E27FC236}">
+                <a16:creationId xmlns:a16="http://schemas.microsoft.com/office/drawing/2014/main" id="{7D3066CB-F1D7-4B22-AAD8-EDDB625F9E63}"/>
+              </a:ext>
+              <a:ext uri="{C183D7F6-B498-43B3-948B-1728B52AA6E4}">
+                <adec:decorative xmlns:adec="http://schemas.microsoft.com/office/drawing/2017/decorative" val="1"/>
+              </a:ext>
+            </a:extLst>
+          </p:cNvPr>
+          <p:cNvSpPr>
+            <a:spLocks noGrp="1" noRot="1" noChangeAspect="1" noMove="1" noResize="1" noEditPoints="1" noAdjustHandles="1" noChangeArrowheads="1" noChangeShapeType="1" noTextEdit="1"/>
+          </p:cNvSpPr>
+          <p:nvPr>
+            <p:extLst>
+              <p:ext uri="{386F3935-93C4-4BCD-93E2-E3B085C9AB24}">
+                <p16:designElem xmlns:p16="http://schemas.microsoft.com/office/powerpoint/2015/main" val="1"/>
+              </p:ext>
+            </p:extLst>
+          </p:nvPr>
+        </p:nvSpPr>
+        <p:spPr>
+          <a:xfrm>
+            <a:off x="0" y="0"/>
+            <a:ext cx="9144000" cy="6858000"/>
+          </a:xfrm>
+          <a:prstGeom prst="rect">
+            <a:avLst/>
+          </a:prstGeom>
+          <a:ln>
+            <a:noFill/>
+          </a:ln>
+        </p:spPr>
+        <p:style>
+          <a:lnRef idx="2">
+            <a:schemeClr val="accent1">
+              <a:shade val="50000"/>
+            </a:schemeClr>
+          </a:lnRef>
+          <a:fillRef idx="1">
+            <a:schemeClr val="accent1"/>
+          </a:fillRef>
+          <a:effectRef idx="0">
+            <a:schemeClr val="accent1"/>
+          </a:effectRef>
+          <a:fontRef idx="minor">
+            <a:schemeClr val="lt1"/>
+          </a:fontRef>
+        </p:style>
+        <p:txBody>
+          <a:bodyPr rtlCol="0" anchor="ctr"/>
+          <a:lstStyle/>
+          <a:p>
+            <a:pPr algn="ctr"/>
+            <a:endParaRPr lang="en-US"/>
+          </a:p>
+        </p:txBody>
+      </p:sp>
+      <p:sp>
+        <p:nvSpPr>
+          <p:cNvPr id="28" name="Rounded Rectangle 11">
+            <a:extLst>
+              <a:ext uri="{FF2B5EF4-FFF2-40B4-BE49-F238E27FC236}">
+                <a16:creationId xmlns:a16="http://schemas.microsoft.com/office/drawing/2014/main" id="{39634629-2027-4274-B784-6089326A1CDE}"/>
+              </a:ext>
+              <a:ext uri="{C183D7F6-B498-43B3-948B-1728B52AA6E4}">
+                <adec:decorative xmlns:adec="http://schemas.microsoft.com/office/drawing/2017/decorative" val="1"/>
+              </a:ext>
+            </a:extLst>
+          </p:cNvPr>
+          <p:cNvSpPr>
+            <a:spLocks noGrp="1" noRot="1" noChangeAspect="1" noMove="1" noResize="1" noEditPoints="1" noAdjustHandles="1" noChangeArrowheads="1" noChangeShapeType="1" noTextEdit="1"/>
+          </p:cNvSpPr>
+          <p:nvPr>
+            <p:extLst>
+              <p:ext uri="{386F3935-93C4-4BCD-93E2-E3B085C9AB24}">
+                <p16:designElem xmlns:p16="http://schemas.microsoft.com/office/powerpoint/2015/main" val="1"/>
+              </p:ext>
+            </p:extLst>
+          </p:nvPr>
+        </p:nvSpPr>
+        <p:spPr>
+          <a:xfrm>
+            <a:off x="419481" y="562356"/>
+            <a:ext cx="8305038" cy="5733288"/>
+          </a:xfrm>
+          <a:prstGeom prst="roundRect">
+            <a:avLst>
+              <a:gd name="adj" fmla="val 3242"/>
+            </a:avLst>
+          </a:prstGeom>
+          <a:solidFill>
+            <a:srgbClr val="FFFFFF"/>
+          </a:solidFill>
+          <a:ln w="31750">
+            <a:solidFill>
+              <a:schemeClr val="accent1"/>
+            </a:solidFill>
+          </a:ln>
+          <a:effectLst/>
+        </p:spPr>
+        <p:style>
+          <a:lnRef idx="2">
+            <a:schemeClr val="accent1">
+              <a:shade val="50000"/>
+            </a:schemeClr>
+          </a:lnRef>
+          <a:fillRef idx="1">
+            <a:schemeClr val="accent1"/>
+          </a:fillRef>
+          <a:effectRef idx="0">
+            <a:schemeClr val="accent1"/>
+          </a:effectRef>
+          <a:fontRef idx="minor">
+            <a:schemeClr val="lt1"/>
+          </a:fontRef>
+        </p:style>
+        <p:txBody>
+          <a:bodyPr rtlCol="0" anchor="ctr"/>
+          <a:lstStyle/>
+          <a:p>
+            <a:pPr algn="ctr"/>
+            <a:endParaRPr lang="en-US"/>
+          </a:p>
+        </p:txBody>
+      </p:sp>
+      <p:sp>
+        <p:nvSpPr>
+          <p:cNvPr id="30" name="Rounded Rectangle 11">
+            <a:extLst>
+              <a:ext uri="{FF2B5EF4-FFF2-40B4-BE49-F238E27FC236}">
+                <a16:creationId xmlns:a16="http://schemas.microsoft.com/office/drawing/2014/main" id="{0381B5E6-EFDB-41ED-B736-AF2A52C5F3F7}"/>
+              </a:ext>
+              <a:ext uri="{C183D7F6-B498-43B3-948B-1728B52AA6E4}">
+                <adec:decorative xmlns:adec="http://schemas.microsoft.com/office/drawing/2017/decorative" val="1"/>
+              </a:ext>
+            </a:extLst>
+          </p:cNvPr>
+          <p:cNvSpPr>
+            <a:spLocks noGrp="1" noRot="1" noChangeAspect="1" noMove="1" noResize="1" noEditPoints="1" noAdjustHandles="1" noChangeArrowheads="1" noChangeShapeType="1" noTextEdit="1"/>
+          </p:cNvSpPr>
+          <p:nvPr>
+            <p:extLst>
+              <p:ext uri="{386F3935-93C4-4BCD-93E2-E3B085C9AB24}">
+                <p16:designElem xmlns:p16="http://schemas.microsoft.com/office/powerpoint/2015/main" val="1"/>
+              </p:ext>
+            </p:extLst>
+          </p:nvPr>
+        </p:nvSpPr>
+        <p:spPr>
+          <a:xfrm>
+            <a:off x="482552" y="643464"/>
+            <a:ext cx="8178896" cy="5571072"/>
+          </a:xfrm>
+          <a:prstGeom prst="roundRect">
+            <a:avLst>
+              <a:gd name="adj" fmla="val 2403"/>
+            </a:avLst>
+          </a:prstGeom>
+          <a:solidFill>
+            <a:srgbClr val="FFFFFF"/>
+          </a:solidFill>
+          <a:ln>
+            <a:noFill/>
+          </a:ln>
+          <a:effectLst>
+            <a:innerShdw blurRad="114300">
+              <a:prstClr val="black"/>
+            </a:innerShdw>
+          </a:effectLst>
+        </p:spPr>
+        <p:style>
+          <a:lnRef idx="2">
+            <a:schemeClr val="accent1">
+              <a:shade val="50000"/>
+            </a:schemeClr>
+          </a:lnRef>
+          <a:fillRef idx="1">
+            <a:schemeClr val="accent1"/>
+          </a:fillRef>
+          <a:effectRef idx="0">
+            <a:schemeClr val="accent1"/>
+          </a:effectRef>
+          <a:fontRef idx="minor">
+            <a:schemeClr val="lt1"/>
+          </a:fontRef>
+        </p:style>
+        <p:txBody>
+          <a:bodyPr rtlCol="0" anchor="ctr"/>
+          <a:lstStyle/>
+          <a:p>
+            <a:pPr algn="ctr"/>
+            <a:endParaRPr lang="en-US"/>
+          </a:p>
+        </p:txBody>
+      </p:sp>
+      <p:pic>
+        <p:nvPicPr>
+          <p:cNvPr id="5" name="Content Placeholder 4" descr="A blue neon text with black background&#10;&#10;Description automatically generated">
+            <a:extLst>
+              <a:ext uri="{FF2B5EF4-FFF2-40B4-BE49-F238E27FC236}">
+                <a16:creationId xmlns:a16="http://schemas.microsoft.com/office/drawing/2014/main" id="{06F73760-0FB7-2060-DD8E-95FD827AC8C0}"/>
+              </a:ext>
+            </a:extLst>
+          </p:cNvPr>
+          <p:cNvPicPr>
+            <a:picLocks noChangeAspect="1"/>
+          </p:cNvPicPr>
+          <p:nvPr/>
+        </p:nvPicPr>
+        <p:blipFill>
+          <a:blip r:embed="rId3"/>
+          <a:srcRect l="7031" r="6708" b="1"/>
+          <a:stretch/>
+        </p:blipFill>
+        <p:spPr>
+          <a:xfrm>
+            <a:off x="652653" y="873252"/>
+            <a:ext cx="7838694" cy="5111496"/>
+          </a:xfrm>
+          <a:prstGeom prst="rect">
+            <a:avLst/>
+          </a:prstGeom>
+          <a:ln w="31750" cap="sq">
+            <a:noFill/>
+            <a:miter lim="800000"/>
+          </a:ln>
+        </p:spPr>
+      </p:pic>
+    </p:spTree>
+    <p:extLst>
+      <p:ext uri="{BB962C8B-B14F-4D97-AF65-F5344CB8AC3E}">
+        <p14:creationId xmlns:p14="http://schemas.microsoft.com/office/powerpoint/2010/main" val="2201610047"/>
+      </p:ext>
+    </p:extLst>
+  </p:cSld>
+  <p:clrMapOvr>
+    <a:masterClrMapping/>
+  </p:clrMapOvr>
+  <mc:AlternateContent xmlns:mc="http://schemas.openxmlformats.org/markup-compatibility/2006" xmlns:p159="http://schemas.microsoft.com/office/powerpoint/2015/09/main">
+    <mc:Choice Requires="p159">
+      <p:transition xmlns:p14="http://schemas.microsoft.com/office/powerpoint/2010/main" spd="slow" p14:dur="2000">
+        <p159:morph option="byObject"/>
+      </p:transition>
+    </mc:Choice>
+    <mc:Fallback xmlns="">
+      <p:transition spd="slow">
+        <p:fade/>
+      </p:transition>
+    </mc:Fallback>
+  </mc:AlternateContent>
 </p:sld>
 </file>
 
@@ -20838,14 +21657,14 @@
             <p:ph idx="1"/>
             <p:extLst>
               <p:ext uri="{D42A27DB-BD31-4B8C-83A1-F6EECF244321}">
-                <p14:modId xmlns:p14="http://schemas.microsoft.com/office/powerpoint/2010/main" val="4007399156"/>
+                <p14:modId xmlns:p14="http://schemas.microsoft.com/office/powerpoint/2010/main" val="3947509030"/>
               </p:ext>
             </p:extLst>
           </p:nvPr>
         </p:nvGraphicFramePr>
         <p:xfrm>
           <a:off x="3959604" y="746125"/>
-          <a:ext cx="4717669" cy="5447745"/>
+          <a:ext cx="4974671" cy="5570785"/>
         </p:xfrm>
         <a:graphic>
           <a:graphicData uri="http://schemas.openxmlformats.org/drawingml/2006/diagram">
@@ -21001,7 +21820,7 @@
           <p:cNvPr id="2" name="Title 1">
             <a:extLst>
               <a:ext uri="{FF2B5EF4-FFF2-40B4-BE49-F238E27FC236}">
-                <a16:creationId xmlns:a16="http://schemas.microsoft.com/office/drawing/2014/main" id="{15A49321-40A2-B3DF-C075-DE85E32823F6}"/>
+                <a16:creationId xmlns:a16="http://schemas.microsoft.com/office/drawing/2014/main" id="{6CF5BA01-C26D-8801-5BDF-47173815774C}"/>
               </a:ext>
             </a:extLst>
           </p:cNvPr>
@@ -21014,7 +21833,7 @@
         </p:nvSpPr>
         <p:spPr>
           <a:xfrm>
-            <a:off x="1383030" y="790515"/>
+            <a:off x="1383030" y="-242868"/>
             <a:ext cx="6377940" cy="1293028"/>
           </a:xfrm>
         </p:spPr>
@@ -21025,114 +21844,76 @@
             <a:pPr algn="ctr"/>
             <a:r>
               <a:rPr lang="en-US" b="1" dirty="0"/>
-              <a:t>REFERENCES</a:t>
+              <a:t>SCREENSHOTS</a:t>
             </a:r>
             <a:endParaRPr lang="en-IN" b="1" dirty="0"/>
           </a:p>
         </p:txBody>
       </p:sp>
-      <p:sp>
-        <p:nvSpPr>
-          <p:cNvPr id="11" name="TextBox 10">
+      <p:pic>
+        <p:nvPicPr>
+          <p:cNvPr id="4" name="Picture 3" descr="A screenshot of a computer&#10;&#10;AI-generated content may be incorrect.">
             <a:extLst>
               <a:ext uri="{FF2B5EF4-FFF2-40B4-BE49-F238E27FC236}">
-                <a16:creationId xmlns:a16="http://schemas.microsoft.com/office/drawing/2014/main" id="{FD9840D9-3D23-D322-56B7-DD8545C4B815}"/>
+                <a16:creationId xmlns:a16="http://schemas.microsoft.com/office/drawing/2014/main" id="{125553CA-4CB0-9B35-717F-5D8558F5AD99}"/>
               </a:ext>
             </a:extLst>
           </p:cNvPr>
-          <p:cNvSpPr txBox="1"/>
+          <p:cNvPicPr>
+            <a:picLocks noChangeAspect="1"/>
+          </p:cNvPicPr>
           <p:nvPr/>
-        </p:nvSpPr>
+        </p:nvPicPr>
+        <p:blipFill>
+          <a:blip r:embed="rId2"/>
+          <a:stretch>
+            <a:fillRect/>
+          </a:stretch>
+        </p:blipFill>
         <p:spPr>
           <a:xfrm>
-            <a:off x="297809" y="2893931"/>
-            <a:ext cx="8519020" cy="923330"/>
+            <a:off x="67111" y="741365"/>
+            <a:ext cx="5738071" cy="3227664"/>
           </a:xfrm>
           <a:prstGeom prst="rect">
             <a:avLst/>
           </a:prstGeom>
-          <a:noFill/>
         </p:spPr>
-        <p:txBody>
-          <a:bodyPr wrap="square">
-            <a:spAutoFit/>
-          </a:bodyPr>
-          <a:lstStyle/>
-          <a:p>
-            <a:pPr marL="285750" indent="-285750">
-              <a:buFont typeface="Arial" panose="020B0604020202020204" pitchFamily="34" charset="0"/>
-              <a:buChar char="•"/>
-            </a:pPr>
-            <a:r>
-              <a:rPr lang="en-US" b="0" i="0" dirty="0" err="1">
-                <a:solidFill>
-                  <a:srgbClr val="F8FAFF"/>
-                </a:solidFill>
-                <a:effectLst/>
-                <a:latin typeface="Inter"/>
-              </a:rPr>
-              <a:t>Mollick</a:t>
-            </a:r>
-            <a:r>
-              <a:rPr lang="en-US" b="0" i="0" dirty="0">
-                <a:solidFill>
-                  <a:srgbClr val="F8FAFF"/>
-                </a:solidFill>
-                <a:effectLst/>
-                <a:latin typeface="Inter"/>
-              </a:rPr>
-              <a:t>, E. (2014). "The Dynamics of Crowdfunding: An Exploratory Study. </a:t>
-            </a:r>
-            <a:r>
-              <a:rPr lang="en-US" b="0" i="1" dirty="0">
-                <a:solidFill>
-                  <a:srgbClr val="F8FAFF"/>
-                </a:solidFill>
-                <a:effectLst/>
-                <a:latin typeface="Inter"/>
-              </a:rPr>
-              <a:t> Journal of Business Venturing</a:t>
-            </a:r>
-            <a:r>
-              <a:rPr lang="en-US" b="0" i="0" dirty="0">
-                <a:solidFill>
-                  <a:srgbClr val="F8FAFF"/>
-                </a:solidFill>
-                <a:effectLst/>
-                <a:latin typeface="Inter"/>
-              </a:rPr>
-              <a:t>, 29(1), </a:t>
-            </a:r>
-            <a:r>
-              <a:rPr lang="en-US" b="0" i="0">
-                <a:solidFill>
-                  <a:srgbClr val="F8FAFF"/>
-                </a:solidFill>
-                <a:effectLst/>
-                <a:latin typeface="Inter"/>
-              </a:rPr>
-              <a:t>1-16.</a:t>
-            </a:r>
-          </a:p>
-          <a:p>
-            <a:pPr marL="285750" indent="-285750">
-              <a:buFont typeface="Arial" panose="020B0604020202020204" pitchFamily="34" charset="0"/>
-              <a:buChar char="•"/>
-            </a:pPr>
-            <a:endParaRPr lang="en-US" b="0" i="0" dirty="0">
-              <a:solidFill>
-                <a:srgbClr val="F8FAFF"/>
-              </a:solidFill>
-              <a:effectLst/>
-              <a:latin typeface="Inter"/>
-            </a:endParaRPr>
-          </a:p>
-        </p:txBody>
-      </p:sp>
+      </p:pic>
+      <p:pic>
+        <p:nvPicPr>
+          <p:cNvPr id="6" name="Picture 5" descr="A screenshot of a computer&#10;&#10;AI-generated content may be incorrect.">
+            <a:extLst>
+              <a:ext uri="{FF2B5EF4-FFF2-40B4-BE49-F238E27FC236}">
+                <a16:creationId xmlns:a16="http://schemas.microsoft.com/office/drawing/2014/main" id="{C407C3FB-D2B0-8D93-A1D7-B01A19F5E8AC}"/>
+              </a:ext>
+            </a:extLst>
+          </p:cNvPr>
+          <p:cNvPicPr>
+            <a:picLocks noChangeAspect="1"/>
+          </p:cNvPicPr>
+          <p:nvPr/>
+        </p:nvPicPr>
+        <p:blipFill>
+          <a:blip r:embed="rId3"/>
+          <a:stretch>
+            <a:fillRect/>
+          </a:stretch>
+        </p:blipFill>
+        <p:spPr>
+          <a:xfrm>
+            <a:off x="3280095" y="3630334"/>
+            <a:ext cx="5738071" cy="3227666"/>
+          </a:xfrm>
+          <a:prstGeom prst="rect">
+            <a:avLst/>
+          </a:prstGeom>
+        </p:spPr>
+      </p:pic>
     </p:spTree>
     <p:extLst>
       <p:ext uri="{BB962C8B-B14F-4D97-AF65-F5344CB8AC3E}">
-        <p14:creationId xmlns:p14="http://schemas.microsoft.com/office/powerpoint/2010/main" val="3835525460"/>
+        <p14:creationId xmlns:p14="http://schemas.microsoft.com/office/powerpoint/2010/main" val="4115086446"/>
       </p:ext>
     </p:extLst>
   </p:cSld>
@@ -21145,164 +21926,6 @@
 <file path=ppt/slides/slide8.xml><?xml version="1.0" encoding="utf-8"?>
 <p:sld xmlns:a="http://schemas.openxmlformats.org/drawingml/2006/main" xmlns:r="http://schemas.openxmlformats.org/officeDocument/2006/relationships" xmlns:p="http://schemas.openxmlformats.org/presentationml/2006/main">
   <p:cSld>
-    <p:bg>
-      <p:bgPr>
-        <a:solidFill>
-          <a:schemeClr val="bg1"/>
-        </a:solidFill>
-        <a:effectLst/>
-      </p:bgPr>
-    </p:bg>
-    <p:spTree>
-      <p:nvGrpSpPr>
-        <p:cNvPr id="1" name=""/>
-        <p:cNvGrpSpPr/>
-        <p:nvPr/>
-      </p:nvGrpSpPr>
-      <p:grpSpPr>
-        <a:xfrm>
-          <a:off x="0" y="0"/>
-          <a:ext cx="0" cy="0"/>
-          <a:chOff x="0" y="0"/>
-          <a:chExt cx="0" cy="0"/>
-        </a:xfrm>
-      </p:grpSpPr>
-      <p:sp>
-        <p:nvSpPr>
-          <p:cNvPr id="2" name="Title 1"/>
-          <p:cNvSpPr>
-            <a:spLocks noGrp="1"/>
-          </p:cNvSpPr>
-          <p:nvPr>
-            <p:ph type="title"/>
-          </p:nvPr>
-        </p:nvSpPr>
-        <p:spPr>
-          <a:xfrm>
-            <a:off x="2009775" y="1155179"/>
-            <a:ext cx="5124450" cy="1293028"/>
-          </a:xfrm>
-        </p:spPr>
-        <p:txBody>
-          <a:bodyPr>
-            <a:normAutofit/>
-          </a:bodyPr>
-          <a:lstStyle/>
-          <a:p>
-            <a:pPr algn="ctr"/>
-            <a:r>
-              <a:rPr lang="en-IN" b="1" dirty="0"/>
-              <a:t>Conclusion</a:t>
-            </a:r>
-          </a:p>
-        </p:txBody>
-      </p:sp>
-      <p:pic>
-        <p:nvPicPr>
-          <p:cNvPr id="5" name="Picture 4" descr="A person falling off a step of stairs&#10;&#10;Description automatically generated">
-            <a:extLst>
-              <a:ext uri="{FF2B5EF4-FFF2-40B4-BE49-F238E27FC236}">
-                <a16:creationId xmlns:a16="http://schemas.microsoft.com/office/drawing/2014/main" id="{B4D86B16-2BE1-2C38-B495-CF1FBD071827}"/>
-              </a:ext>
-            </a:extLst>
-          </p:cNvPr>
-          <p:cNvPicPr>
-            <a:picLocks noChangeAspect="1"/>
-          </p:cNvPicPr>
-          <p:nvPr/>
-        </p:nvPicPr>
-        <p:blipFill>
-          <a:blip r:embed="rId2"/>
-          <a:srcRect b="8592"/>
-          <a:stretch/>
-        </p:blipFill>
-        <p:spPr>
-          <a:xfrm>
-            <a:off x="207866" y="2643609"/>
-            <a:ext cx="3297334" cy="2343405"/>
-          </a:xfrm>
-          <a:prstGeom prst="rect">
-            <a:avLst/>
-          </a:prstGeom>
-        </p:spPr>
-      </p:pic>
-      <p:sp>
-        <p:nvSpPr>
-          <p:cNvPr id="3" name="Content Placeholder 2"/>
-          <p:cNvSpPr>
-            <a:spLocks noGrp="1"/>
-          </p:cNvSpPr>
-          <p:nvPr>
-            <p:ph idx="1"/>
-          </p:nvPr>
-        </p:nvSpPr>
-        <p:spPr>
-          <a:xfrm>
-            <a:off x="3505200" y="2643609"/>
-            <a:ext cx="5504575" cy="2473672"/>
-          </a:xfrm>
-        </p:spPr>
-        <p:txBody>
-          <a:bodyPr>
-            <a:normAutofit fontScale="92500" lnSpcReduction="20000"/>
-          </a:bodyPr>
-          <a:lstStyle/>
-          <a:p>
-            <a:pPr algn="just">
-              <a:lnSpc>
-                <a:spcPct val="150000"/>
-              </a:lnSpc>
-            </a:pPr>
-            <a:r>
-              <a:rPr lang="en-US" dirty="0" err="1">
-                <a:latin typeface="Calibri" panose="020F0502020204030204" pitchFamily="34" charset="0"/>
-                <a:ea typeface="Calibri" panose="020F0502020204030204" pitchFamily="34" charset="0"/>
-                <a:cs typeface="Calibri" panose="020F0502020204030204" pitchFamily="34" charset="0"/>
-              </a:rPr>
-              <a:t>FundWise</a:t>
-            </a:r>
-            <a:r>
-              <a:rPr lang="en-US" dirty="0">
-                <a:latin typeface="Calibri" panose="020F0502020204030204" pitchFamily="34" charset="0"/>
-                <a:ea typeface="Calibri" panose="020F0502020204030204" pitchFamily="34" charset="0"/>
-                <a:cs typeface="Calibri" panose="020F0502020204030204" pitchFamily="34" charset="0"/>
-              </a:rPr>
-              <a:t> aims to revolutionize crowdfunding by leveraging advanced technologies to maximize project success, enhance investor satisfaction, and ensure a secure platform. Future plans include model optimization and platform scalability testing.</a:t>
-            </a:r>
-          </a:p>
-        </p:txBody>
-      </p:sp>
-    </p:spTree>
-  </p:cSld>
-  <p:clrMapOvr>
-    <a:masterClrMapping/>
-  </p:clrMapOvr>
-  <mc:AlternateContent xmlns:mc="http://schemas.openxmlformats.org/markup-compatibility/2006" xmlns:p159="http://schemas.microsoft.com/office/powerpoint/2015/09/main">
-    <mc:Choice Requires="p159">
-      <p:transition xmlns:p14="http://schemas.microsoft.com/office/powerpoint/2010/main" spd="slow" p14:dur="2000">
-        <p159:morph option="byObject"/>
-      </p:transition>
-    </mc:Choice>
-    <mc:Fallback xmlns="">
-      <p:transition spd="slow">
-        <p:fade/>
-      </p:transition>
-    </mc:Fallback>
-  </mc:AlternateContent>
-</p:sld>
-</file>
-
-<file path=ppt/slides/slide9.xml><?xml version="1.0" encoding="utf-8"?>
-<p:sld xmlns:a="http://schemas.openxmlformats.org/drawingml/2006/main" xmlns:r="http://schemas.openxmlformats.org/officeDocument/2006/relationships" xmlns:p="http://schemas.openxmlformats.org/presentationml/2006/main">
-  <p:cSld>
-    <p:bg>
-      <p:bgPr>
-        <a:solidFill>
-          <a:schemeClr val="bg1"/>
-        </a:solidFill>
-        <a:effectLst/>
-      </p:bgPr>
-    </p:bg>
     <p:spTree>
       <p:nvGrpSpPr>
         <p:cNvPr id="1" name=""/>
@@ -21319,253 +21942,40 @@
       </p:grpSpPr>
       <p:pic>
         <p:nvPicPr>
-          <p:cNvPr id="24" name="Picture 23">
+          <p:cNvPr id="3" name="Picture 2" descr="A screenshot of a computer&#10;&#10;AI-generated content may be incorrect.">
             <a:extLst>
               <a:ext uri="{FF2B5EF4-FFF2-40B4-BE49-F238E27FC236}">
-                <a16:creationId xmlns:a16="http://schemas.microsoft.com/office/drawing/2014/main" id="{1FBDED38-E809-47DF-A501-94A1EC4CF7BB}"/>
-              </a:ext>
-              <a:ext uri="{C183D7F6-B498-43B3-948B-1728B52AA6E4}">
-                <adec:decorative xmlns:adec="http://schemas.microsoft.com/office/drawing/2017/decorative" val="1"/>
+                <a16:creationId xmlns:a16="http://schemas.microsoft.com/office/drawing/2014/main" id="{3B0F367E-7967-63DA-508A-C24E9434346B}"/>
               </a:ext>
             </a:extLst>
           </p:cNvPr>
           <p:cNvPicPr>
-            <a:picLocks noGrp="1" noRot="1" noChangeAspect="1" noMove="1" noResize="1" noEditPoints="1" noAdjustHandles="1" noChangeArrowheads="1" noChangeShapeType="1" noCrop="1"/>
+            <a:picLocks noChangeAspect="1"/>
           </p:cNvPicPr>
-          <p:nvPr>
-            <p:extLst>
-              <p:ext uri="{386F3935-93C4-4BCD-93E2-E3B085C9AB24}">
-                <p16:designElem xmlns:p16="http://schemas.microsoft.com/office/powerpoint/2015/main" val="1"/>
-              </p:ext>
-            </p:extLst>
-          </p:nvPr>
+          <p:nvPr/>
         </p:nvPicPr>
         <p:blipFill>
-          <a:blip r:embed="rId2">
-            <a:extLst>
-              <a:ext uri="{28A0092B-C50C-407E-A947-70E740481C1C}">
-                <a14:useLocalDpi xmlns:a14="http://schemas.microsoft.com/office/drawing/2010/main" val="0"/>
-              </a:ext>
-            </a:extLst>
-          </a:blip>
+          <a:blip r:embed="rId2"/>
           <a:stretch>
             <a:fillRect/>
           </a:stretch>
         </p:blipFill>
         <p:spPr>
           <a:xfrm>
-            <a:off x="0" y="0"/>
-            <a:ext cx="9144000" cy="1441450"/>
+            <a:off x="100668" y="0"/>
+            <a:ext cx="6095999" cy="3429000"/>
           </a:xfrm>
           <a:prstGeom prst="rect">
             <a:avLst/>
           </a:prstGeom>
         </p:spPr>
       </p:pic>
-      <p:sp useBgFill="1">
-        <p:nvSpPr>
-          <p:cNvPr id="34" name="Rectangle 33">
+      <p:pic>
+        <p:nvPicPr>
+          <p:cNvPr id="5" name="Picture 4" descr="A screenshot of a computer&#10;&#10;AI-generated content may be incorrect.">
             <a:extLst>
               <a:ext uri="{FF2B5EF4-FFF2-40B4-BE49-F238E27FC236}">
-                <a16:creationId xmlns:a16="http://schemas.microsoft.com/office/drawing/2014/main" id="{7D3066CB-F1D7-4B22-AAD8-EDDB625F9E63}"/>
-              </a:ext>
-              <a:ext uri="{C183D7F6-B498-43B3-948B-1728B52AA6E4}">
-                <adec:decorative xmlns:adec="http://schemas.microsoft.com/office/drawing/2017/decorative" val="1"/>
-              </a:ext>
-            </a:extLst>
-          </p:cNvPr>
-          <p:cNvSpPr>
-            <a:spLocks noGrp="1" noRot="1" noChangeAspect="1" noMove="1" noResize="1" noEditPoints="1" noAdjustHandles="1" noChangeArrowheads="1" noChangeShapeType="1" noTextEdit="1"/>
-          </p:cNvSpPr>
-          <p:nvPr>
-            <p:extLst>
-              <p:ext uri="{386F3935-93C4-4BCD-93E2-E3B085C9AB24}">
-                <p16:designElem xmlns:p16="http://schemas.microsoft.com/office/powerpoint/2015/main" val="1"/>
-              </p:ext>
-            </p:extLst>
-          </p:nvPr>
-        </p:nvSpPr>
-        <p:spPr>
-          <a:xfrm>
-            <a:off x="0" y="0"/>
-            <a:ext cx="9144000" cy="6858000"/>
-          </a:xfrm>
-          <a:prstGeom prst="rect">
-            <a:avLst/>
-          </a:prstGeom>
-          <a:ln>
-            <a:noFill/>
-          </a:ln>
-        </p:spPr>
-        <p:style>
-          <a:lnRef idx="2">
-            <a:schemeClr val="accent1">
-              <a:shade val="50000"/>
-            </a:schemeClr>
-          </a:lnRef>
-          <a:fillRef idx="1">
-            <a:schemeClr val="accent1"/>
-          </a:fillRef>
-          <a:effectRef idx="0">
-            <a:schemeClr val="accent1"/>
-          </a:effectRef>
-          <a:fontRef idx="minor">
-            <a:schemeClr val="lt1"/>
-          </a:fontRef>
-        </p:style>
-        <p:txBody>
-          <a:bodyPr rtlCol="0" anchor="ctr"/>
-          <a:lstStyle/>
-          <a:p>
-            <a:pPr algn="ctr"/>
-            <a:endParaRPr lang="en-US"/>
-          </a:p>
-        </p:txBody>
-      </p:sp>
-      <p:sp>
-        <p:nvSpPr>
-          <p:cNvPr id="28" name="Rounded Rectangle 11">
-            <a:extLst>
-              <a:ext uri="{FF2B5EF4-FFF2-40B4-BE49-F238E27FC236}">
-                <a16:creationId xmlns:a16="http://schemas.microsoft.com/office/drawing/2014/main" id="{39634629-2027-4274-B784-6089326A1CDE}"/>
-              </a:ext>
-              <a:ext uri="{C183D7F6-B498-43B3-948B-1728B52AA6E4}">
-                <adec:decorative xmlns:adec="http://schemas.microsoft.com/office/drawing/2017/decorative" val="1"/>
-              </a:ext>
-            </a:extLst>
-          </p:cNvPr>
-          <p:cNvSpPr>
-            <a:spLocks noGrp="1" noRot="1" noChangeAspect="1" noMove="1" noResize="1" noEditPoints="1" noAdjustHandles="1" noChangeArrowheads="1" noChangeShapeType="1" noTextEdit="1"/>
-          </p:cNvSpPr>
-          <p:nvPr>
-            <p:extLst>
-              <p:ext uri="{386F3935-93C4-4BCD-93E2-E3B085C9AB24}">
-                <p16:designElem xmlns:p16="http://schemas.microsoft.com/office/powerpoint/2015/main" val="1"/>
-              </p:ext>
-            </p:extLst>
-          </p:nvPr>
-        </p:nvSpPr>
-        <p:spPr>
-          <a:xfrm>
-            <a:off x="419481" y="562356"/>
-            <a:ext cx="8305038" cy="5733288"/>
-          </a:xfrm>
-          <a:prstGeom prst="roundRect">
-            <a:avLst>
-              <a:gd name="adj" fmla="val 3242"/>
-            </a:avLst>
-          </a:prstGeom>
-          <a:solidFill>
-            <a:srgbClr val="FFFFFF"/>
-          </a:solidFill>
-          <a:ln w="31750">
-            <a:solidFill>
-              <a:schemeClr val="accent1"/>
-            </a:solidFill>
-          </a:ln>
-          <a:effectLst/>
-        </p:spPr>
-        <p:style>
-          <a:lnRef idx="2">
-            <a:schemeClr val="accent1">
-              <a:shade val="50000"/>
-            </a:schemeClr>
-          </a:lnRef>
-          <a:fillRef idx="1">
-            <a:schemeClr val="accent1"/>
-          </a:fillRef>
-          <a:effectRef idx="0">
-            <a:schemeClr val="accent1"/>
-          </a:effectRef>
-          <a:fontRef idx="minor">
-            <a:schemeClr val="lt1"/>
-          </a:fontRef>
-        </p:style>
-        <p:txBody>
-          <a:bodyPr rtlCol="0" anchor="ctr"/>
-          <a:lstStyle/>
-          <a:p>
-            <a:pPr algn="ctr"/>
-            <a:endParaRPr lang="en-US"/>
-          </a:p>
-        </p:txBody>
-      </p:sp>
-      <p:sp>
-        <p:nvSpPr>
-          <p:cNvPr id="30" name="Rounded Rectangle 11">
-            <a:extLst>
-              <a:ext uri="{FF2B5EF4-FFF2-40B4-BE49-F238E27FC236}">
-                <a16:creationId xmlns:a16="http://schemas.microsoft.com/office/drawing/2014/main" id="{0381B5E6-EFDB-41ED-B736-AF2A52C5F3F7}"/>
-              </a:ext>
-              <a:ext uri="{C183D7F6-B498-43B3-948B-1728B52AA6E4}">
-                <adec:decorative xmlns:adec="http://schemas.microsoft.com/office/drawing/2017/decorative" val="1"/>
-              </a:ext>
-            </a:extLst>
-          </p:cNvPr>
-          <p:cNvSpPr>
-            <a:spLocks noGrp="1" noRot="1" noChangeAspect="1" noMove="1" noResize="1" noEditPoints="1" noAdjustHandles="1" noChangeArrowheads="1" noChangeShapeType="1" noTextEdit="1"/>
-          </p:cNvSpPr>
-          <p:nvPr>
-            <p:extLst>
-              <p:ext uri="{386F3935-93C4-4BCD-93E2-E3B085C9AB24}">
-                <p16:designElem xmlns:p16="http://schemas.microsoft.com/office/powerpoint/2015/main" val="1"/>
-              </p:ext>
-            </p:extLst>
-          </p:nvPr>
-        </p:nvSpPr>
-        <p:spPr>
-          <a:xfrm>
-            <a:off x="482552" y="643464"/>
-            <a:ext cx="8178896" cy="5571072"/>
-          </a:xfrm>
-          <a:prstGeom prst="roundRect">
-            <a:avLst>
-              <a:gd name="adj" fmla="val 2403"/>
-            </a:avLst>
-          </a:prstGeom>
-          <a:solidFill>
-            <a:srgbClr val="FFFFFF"/>
-          </a:solidFill>
-          <a:ln>
-            <a:noFill/>
-          </a:ln>
-          <a:effectLst>
-            <a:innerShdw blurRad="114300">
-              <a:prstClr val="black"/>
-            </a:innerShdw>
-          </a:effectLst>
-        </p:spPr>
-        <p:style>
-          <a:lnRef idx="2">
-            <a:schemeClr val="accent1">
-              <a:shade val="50000"/>
-            </a:schemeClr>
-          </a:lnRef>
-          <a:fillRef idx="1">
-            <a:schemeClr val="accent1"/>
-          </a:fillRef>
-          <a:effectRef idx="0">
-            <a:schemeClr val="accent1"/>
-          </a:effectRef>
-          <a:fontRef idx="minor">
-            <a:schemeClr val="lt1"/>
-          </a:fontRef>
-        </p:style>
-        <p:txBody>
-          <a:bodyPr rtlCol="0" anchor="ctr"/>
-          <a:lstStyle/>
-          <a:p>
-            <a:pPr algn="ctr"/>
-            <a:endParaRPr lang="en-US"/>
-          </a:p>
-        </p:txBody>
-      </p:sp>
-      <p:pic>
-        <p:nvPicPr>
-          <p:cNvPr id="5" name="Content Placeholder 4" descr="A blue neon text with black background&#10;&#10;Description automatically generated">
-            <a:extLst>
-              <a:ext uri="{FF2B5EF4-FFF2-40B4-BE49-F238E27FC236}">
-                <a16:creationId xmlns:a16="http://schemas.microsoft.com/office/drawing/2014/main" id="{06F73760-0FB7-2060-DD8E-95FD827AC8C0}"/>
+                <a16:creationId xmlns:a16="http://schemas.microsoft.com/office/drawing/2014/main" id="{559D60EB-2901-6515-9D1E-DBEDDE5D5B12}"/>
               </a:ext>
             </a:extLst>
           </p:cNvPr>
@@ -21576,45 +21986,120 @@
         </p:nvPicPr>
         <p:blipFill>
           <a:blip r:embed="rId3"/>
-          <a:srcRect l="7031" r="6708" b="1"/>
-          <a:stretch/>
+          <a:stretch>
+            <a:fillRect/>
+          </a:stretch>
         </p:blipFill>
         <p:spPr>
           <a:xfrm>
-            <a:off x="652653" y="873252"/>
-            <a:ext cx="7838694" cy="5111496"/>
+            <a:off x="2498917" y="3238111"/>
+            <a:ext cx="6435358" cy="3619889"/>
           </a:xfrm>
           <a:prstGeom prst="rect">
             <a:avLst/>
           </a:prstGeom>
-          <a:ln w="31750" cap="sq">
-            <a:noFill/>
-            <a:miter lim="800000"/>
-          </a:ln>
         </p:spPr>
       </p:pic>
     </p:spTree>
     <p:extLst>
       <p:ext uri="{BB962C8B-B14F-4D97-AF65-F5344CB8AC3E}">
-        <p14:creationId xmlns:p14="http://schemas.microsoft.com/office/powerpoint/2010/main" val="2201610047"/>
+        <p14:creationId xmlns:p14="http://schemas.microsoft.com/office/powerpoint/2010/main" val="3829088303"/>
       </p:ext>
     </p:extLst>
   </p:cSld>
   <p:clrMapOvr>
     <a:masterClrMapping/>
   </p:clrMapOvr>
-  <mc:AlternateContent xmlns:mc="http://schemas.openxmlformats.org/markup-compatibility/2006" xmlns:p159="http://schemas.microsoft.com/office/powerpoint/2015/09/main">
-    <mc:Choice Requires="p159">
-      <p:transition xmlns:p14="http://schemas.microsoft.com/office/powerpoint/2010/main" spd="slow" p14:dur="2000">
-        <p159:morph option="byObject"/>
-      </p:transition>
-    </mc:Choice>
-    <mc:Fallback xmlns="">
-      <p:transition spd="slow">
-        <p:fade/>
-      </p:transition>
-    </mc:Fallback>
-  </mc:AlternateContent>
+</p:sld>
+</file>
+
+<file path=ppt/slides/slide9.xml><?xml version="1.0" encoding="utf-8"?>
+<p:sld xmlns:a="http://schemas.openxmlformats.org/drawingml/2006/main" xmlns:r="http://schemas.openxmlformats.org/officeDocument/2006/relationships" xmlns:p="http://schemas.openxmlformats.org/presentationml/2006/main">
+  <p:cSld>
+    <p:spTree>
+      <p:nvGrpSpPr>
+        <p:cNvPr id="1" name=""/>
+        <p:cNvGrpSpPr/>
+        <p:nvPr/>
+      </p:nvGrpSpPr>
+      <p:grpSpPr>
+        <a:xfrm>
+          <a:off x="0" y="0"/>
+          <a:ext cx="0" cy="0"/>
+          <a:chOff x="0" y="0"/>
+          <a:chExt cx="0" cy="0"/>
+        </a:xfrm>
+      </p:grpSpPr>
+      <p:pic>
+        <p:nvPicPr>
+          <p:cNvPr id="3" name="Picture 2" descr="A screenshot of a computer&#10;&#10;AI-generated content may be incorrect.">
+            <a:extLst>
+              <a:ext uri="{FF2B5EF4-FFF2-40B4-BE49-F238E27FC236}">
+                <a16:creationId xmlns:a16="http://schemas.microsoft.com/office/drawing/2014/main" id="{E411E437-986B-1C69-0CFF-6E07A0301E6A}"/>
+              </a:ext>
+            </a:extLst>
+          </p:cNvPr>
+          <p:cNvPicPr>
+            <a:picLocks noChangeAspect="1"/>
+          </p:cNvPicPr>
+          <p:nvPr/>
+        </p:nvPicPr>
+        <p:blipFill>
+          <a:blip r:embed="rId2"/>
+          <a:stretch>
+            <a:fillRect/>
+          </a:stretch>
+        </p:blipFill>
+        <p:spPr>
+          <a:xfrm>
+            <a:off x="0" y="58722"/>
+            <a:ext cx="5813571" cy="3270133"/>
+          </a:xfrm>
+          <a:prstGeom prst="rect">
+            <a:avLst/>
+          </a:prstGeom>
+        </p:spPr>
+      </p:pic>
+      <p:pic>
+        <p:nvPicPr>
+          <p:cNvPr id="5" name="Picture 4">
+            <a:extLst>
+              <a:ext uri="{FF2B5EF4-FFF2-40B4-BE49-F238E27FC236}">
+                <a16:creationId xmlns:a16="http://schemas.microsoft.com/office/drawing/2014/main" id="{6D637937-1894-3262-317D-4D1B05C27ADF}"/>
+              </a:ext>
+            </a:extLst>
+          </p:cNvPr>
+          <p:cNvPicPr>
+            <a:picLocks noChangeAspect="1"/>
+          </p:cNvPicPr>
+          <p:nvPr/>
+        </p:nvPicPr>
+        <p:blipFill>
+          <a:blip r:embed="rId3"/>
+          <a:stretch>
+            <a:fillRect/>
+          </a:stretch>
+        </p:blipFill>
+        <p:spPr>
+          <a:xfrm>
+            <a:off x="2525087" y="3074086"/>
+            <a:ext cx="6409190" cy="3605169"/>
+          </a:xfrm>
+          <a:prstGeom prst="rect">
+            <a:avLst/>
+          </a:prstGeom>
+        </p:spPr>
+      </p:pic>
+    </p:spTree>
+    <p:extLst>
+      <p:ext uri="{BB962C8B-B14F-4D97-AF65-F5344CB8AC3E}">
+        <p14:creationId xmlns:p14="http://schemas.microsoft.com/office/powerpoint/2010/main" val="1271868107"/>
+      </p:ext>
+    </p:extLst>
+  </p:cSld>
+  <p:clrMapOvr>
+    <a:masterClrMapping/>
+  </p:clrMapOvr>
 </p:sld>
 </file>
 
